--- a/report/AlgorithmicTrading.pptx
+++ b/report/AlgorithmicTrading.pptx
@@ -5,7 +5,7 @@
     <p:sldMasterId id="2147483648" r:id="rId1"/>
   </p:sldMasterIdLst>
   <p:notesMasterIdLst>
-    <p:notesMasterId r:id="rId16"/>
+    <p:notesMasterId r:id="rId22"/>
   </p:notesMasterIdLst>
   <p:sldIdLst>
     <p:sldId id="256" r:id="rId2"/>
@@ -17,11 +17,17 @@
     <p:sldId id="259" r:id="rId8"/>
     <p:sldId id="261" r:id="rId9"/>
     <p:sldId id="262" r:id="rId10"/>
-    <p:sldId id="265" r:id="rId11"/>
-    <p:sldId id="267" r:id="rId12"/>
-    <p:sldId id="266" r:id="rId13"/>
-    <p:sldId id="269" r:id="rId14"/>
-    <p:sldId id="270" r:id="rId15"/>
+    <p:sldId id="271" r:id="rId11"/>
+    <p:sldId id="273" r:id="rId12"/>
+    <p:sldId id="272" r:id="rId13"/>
+    <p:sldId id="274" r:id="rId14"/>
+    <p:sldId id="267" r:id="rId15"/>
+    <p:sldId id="265" r:id="rId16"/>
+    <p:sldId id="266" r:id="rId17"/>
+    <p:sldId id="269" r:id="rId18"/>
+    <p:sldId id="275" r:id="rId19"/>
+    <p:sldId id="276" r:id="rId20"/>
+    <p:sldId id="270" r:id="rId21"/>
   </p:sldIdLst>
   <p:sldSz cx="9144000" cy="6858000" type="screen4x3"/>
   <p:notesSz cx="6858000" cy="9144000"/>
@@ -240,11 +246,11 @@
           <c:showBubbleSize val="0"/>
         </c:dLbls>
         <c:gapWidth val="150"/>
-        <c:axId val="55087488"/>
-        <c:axId val="55089024"/>
+        <c:axId val="59913344"/>
+        <c:axId val="59914880"/>
       </c:barChart>
       <c:catAx>
-        <c:axId val="55087488"/>
+        <c:axId val="59913344"/>
         <c:scaling>
           <c:orientation val="minMax"/>
         </c:scaling>
@@ -253,7 +259,7 @@
         <c:majorTickMark val="out"/>
         <c:minorTickMark val="none"/>
         <c:tickLblPos val="nextTo"/>
-        <c:crossAx val="55089024"/>
+        <c:crossAx val="59914880"/>
         <c:crosses val="autoZero"/>
         <c:auto val="1"/>
         <c:lblAlgn val="ctr"/>
@@ -261,7 +267,7 @@
         <c:noMultiLvlLbl val="0"/>
       </c:catAx>
       <c:valAx>
-        <c:axId val="55089024"/>
+        <c:axId val="59914880"/>
         <c:scaling>
           <c:orientation val="minMax"/>
         </c:scaling>
@@ -271,7 +277,7 @@
         <c:majorTickMark val="out"/>
         <c:minorTickMark val="none"/>
         <c:tickLblPos val="nextTo"/>
-        <c:crossAx val="55087488"/>
+        <c:crossAx val="59913344"/>
         <c:crosses val="autoZero"/>
         <c:crossBetween val="between"/>
       </c:valAx>
@@ -378,7 +384,7 @@
           <a:p>
             <a:fld id="{A9934386-F63A-4A00-8EA3-C4909A444A7F}" type="datetimeFigureOut">
               <a:rPr lang="en-US" smtClean="0"/>
-              <a:t>12/11/2012</a:t>
+              <a:t>12/13/2012</a:t>
             </a:fld>
             <a:endParaRPr lang="en-US"/>
           </a:p>
@@ -783,12 +789,90 @@
           <a:lstStyle/>
           <a:p>
             <a:r>
-              <a:rPr lang="en-US" dirty="0" smtClean="0"/>
-              <a:t>Holt-Winters</a:t>
-            </a:r>
-            <a:r>
-              <a:rPr lang="en-US" baseline="0" dirty="0" smtClean="0"/>
-              <a:t> double exponential smoothing forecasting</a:t>
+              <a:rPr lang="en-US" sz="1200" b="1" i="0" kern="1200" dirty="0" smtClean="0">
+                <a:solidFill>
+                  <a:schemeClr val="tx1"/>
+                </a:solidFill>
+                <a:effectLst/>
+                <a:latin typeface="+mn-lt"/>
+                <a:ea typeface="+mn-ea"/>
+                <a:cs typeface="+mn-cs"/>
+              </a:rPr>
+              <a:t>Joseph D. </a:t>
+            </a:r>
+            <a:r>
+              <a:rPr lang="en-US" sz="1200" b="1" i="0" kern="1200" dirty="0" err="1" smtClean="0">
+                <a:solidFill>
+                  <a:schemeClr val="tx1"/>
+                </a:solidFill>
+                <a:effectLst/>
+                <a:latin typeface="+mn-lt"/>
+                <a:ea typeface="+mn-ea"/>
+                <a:cs typeface="+mn-cs"/>
+              </a:rPr>
+              <a:t>Piotroski</a:t>
+            </a:r>
+            <a:r>
+              <a:rPr lang="en-US" sz="1200" b="0" i="0" kern="1200" dirty="0" smtClean="0">
+                <a:solidFill>
+                  <a:schemeClr val="tx1"/>
+                </a:solidFill>
+                <a:effectLst/>
+                <a:latin typeface="+mn-lt"/>
+                <a:ea typeface="+mn-ea"/>
+                <a:cs typeface="+mn-cs"/>
+              </a:rPr>
+              <a:t> is an American professor who specializes in accounting and financial reporting issues. As of October 2010 he serves as associate professor of accounting at the </a:t>
+            </a:r>
+            <a:r>
+              <a:rPr lang="en-US" sz="1200" b="0" i="0" kern="1200" dirty="0" smtClean="0">
+                <a:solidFill>
+                  <a:schemeClr val="tx1"/>
+                </a:solidFill>
+                <a:effectLst/>
+                <a:latin typeface="+mn-lt"/>
+                <a:ea typeface="+mn-ea"/>
+                <a:cs typeface="+mn-cs"/>
+                <a:hlinkClick r:id="rId3" tooltip="Stanford University Graduate School of Business"/>
+              </a:rPr>
+              <a:t>Stanford University Graduate School of Business</a:t>
+            </a:r>
+            <a:r>
+              <a:rPr lang="en-US" sz="1200" b="0" i="0" kern="1200" dirty="0" smtClean="0">
+                <a:solidFill>
+                  <a:schemeClr val="tx1"/>
+                </a:solidFill>
+                <a:effectLst/>
+                <a:latin typeface="+mn-lt"/>
+                <a:ea typeface="+mn-ea"/>
+                <a:cs typeface="+mn-cs"/>
+              </a:rPr>
+              <a:t>. Prior to that, he taught at the </a:t>
+            </a:r>
+            <a:r>
+              <a:rPr lang="en-US" sz="1200" b="0" i="0" kern="1200" dirty="0" smtClean="0">
+                <a:solidFill>
+                  <a:schemeClr val="tx1"/>
+                </a:solidFill>
+                <a:effectLst/>
+                <a:latin typeface="+mn-lt"/>
+                <a:ea typeface="+mn-ea"/>
+                <a:cs typeface="+mn-cs"/>
+                <a:hlinkClick r:id="rId4" tooltip="University of Chicago Graduate School of Business"/>
+              </a:rPr>
+              <a:t>University of Chicago Graduate School of Business</a:t>
+            </a:r>
+            <a:r>
+              <a:rPr lang="en-US" sz="1200" b="0" i="0" kern="1200" dirty="0" smtClean="0">
+                <a:solidFill>
+                  <a:schemeClr val="tx1"/>
+                </a:solidFill>
+                <a:effectLst/>
+                <a:latin typeface="+mn-lt"/>
+                <a:ea typeface="+mn-ea"/>
+                <a:cs typeface="+mn-cs"/>
+              </a:rPr>
+              <a:t> from July 1999 to June 2007</a:t>
             </a:r>
             <a:endParaRPr lang="en-US" dirty="0"/>
           </a:p>
@@ -811,7 +895,7 @@
           <a:p>
             <a:fld id="{F7D0F957-66FF-4412-B3EB-46B6292E808A}" type="slidenum">
               <a:rPr lang="en-US" smtClean="0"/>
-              <a:t>10</a:t>
+              <a:t>11</a:t>
             </a:fld>
             <a:endParaRPr lang="en-US"/>
           </a:p>
@@ -820,7 +904,7 @@
     </p:spTree>
     <p:extLst>
       <p:ext uri="{BB962C8B-B14F-4D97-AF65-F5344CB8AC3E}">
-        <p14:creationId xmlns:p14="http://schemas.microsoft.com/office/powerpoint/2010/main" val="2024080668"/>
+        <p14:creationId xmlns:p14="http://schemas.microsoft.com/office/powerpoint/2010/main" val="3921163710"/>
       </p:ext>
     </p:extLst>
   </p:cSld>
@@ -875,15 +959,6 @@
           <a:lstStyle/>
           <a:p>
             <a:r>
-              <a:rPr lang="en-US" dirty="0" smtClean="0"/>
-              <a:t>We use model based</a:t>
-            </a:r>
-          </a:p>
-          <a:p>
-            <a:endParaRPr lang="en-US" dirty="0" smtClean="0"/>
-          </a:p>
-          <a:p>
-            <a:r>
               <a:rPr lang="en-US" sz="1200" b="0" i="0" kern="1200" dirty="0" smtClean="0">
                 <a:solidFill>
                   <a:schemeClr val="tx1"/>
@@ -893,7 +968,19 @@
                 <a:ea typeface="+mn-ea"/>
                 <a:cs typeface="+mn-cs"/>
               </a:rPr>
-              <a:t>Q-Learning is an Off-Policy algorithm for Temporal Difference learning. It can be proven that given sufficient training under any -soft policy, the algorithm converges with probability 1 to a close approximation of the action-value function for an arbitrary target policy. Q-Learning learns the optimal policy even when actions are selected according to a more exploratory or even random policy.</a:t>
+              <a:t>Q-Learning </a:t>
+            </a:r>
+            <a:r>
+              <a:rPr lang="en-US" sz="1200" b="0" i="0" kern="1200" dirty="0" smtClean="0">
+                <a:solidFill>
+                  <a:schemeClr val="tx1"/>
+                </a:solidFill>
+                <a:effectLst/>
+                <a:latin typeface="+mn-lt"/>
+                <a:ea typeface="+mn-ea"/>
+                <a:cs typeface="+mn-cs"/>
+              </a:rPr>
+              <a:t>is an Off-Policy algorithm for Temporal Difference learning. It can be proven that given sufficient training under any -soft policy, the algorithm converges with probability 1 to a close approximation of the action-value function for an arbitrary target policy. Q-Learning learns the optimal policy even when actions are selected according to a more exploratory or even random policy.</a:t>
             </a:r>
           </a:p>
           <a:p>
@@ -1136,7 +1223,261 @@
             <a:endParaRPr lang="en-US" dirty="0" smtClean="0"/>
           </a:p>
           <a:p>
-            <a:endParaRPr lang="en-US" dirty="0"/>
+            <a:r>
+              <a:rPr lang="en-US" sz="1200" b="0" i="0" kern="1200" dirty="0" smtClean="0">
+                <a:solidFill>
+                  <a:schemeClr val="tx1"/>
+                </a:solidFill>
+                <a:effectLst/>
+                <a:latin typeface="+mn-lt"/>
+                <a:ea typeface="+mn-ea"/>
+                <a:cs typeface="+mn-cs"/>
+              </a:rPr>
+              <a:t>The </a:t>
+            </a:r>
+            <a:r>
+              <a:rPr lang="en-US" sz="1200" b="1" i="0" kern="1200" dirty="0" smtClean="0">
+                <a:solidFill>
+                  <a:schemeClr val="tx1"/>
+                </a:solidFill>
+                <a:effectLst/>
+                <a:latin typeface="+mn-lt"/>
+                <a:ea typeface="+mn-ea"/>
+                <a:cs typeface="+mn-cs"/>
+              </a:rPr>
+              <a:t>Sharpe ratio</a:t>
+            </a:r>
+            <a:r>
+              <a:rPr lang="en-US" sz="1200" b="0" i="0" kern="1200" dirty="0" smtClean="0">
+                <a:solidFill>
+                  <a:schemeClr val="tx1"/>
+                </a:solidFill>
+                <a:effectLst/>
+                <a:latin typeface="+mn-lt"/>
+                <a:ea typeface="+mn-ea"/>
+                <a:cs typeface="+mn-cs"/>
+              </a:rPr>
+              <a:t> (also known as the </a:t>
+            </a:r>
+            <a:r>
+              <a:rPr lang="en-US" sz="1200" b="1" i="0" kern="1200" dirty="0" smtClean="0">
+                <a:solidFill>
+                  <a:schemeClr val="tx1"/>
+                </a:solidFill>
+                <a:effectLst/>
+                <a:latin typeface="+mn-lt"/>
+                <a:ea typeface="+mn-ea"/>
+                <a:cs typeface="+mn-cs"/>
+              </a:rPr>
+              <a:t>Sharpe index</a:t>
+            </a:r>
+            <a:r>
+              <a:rPr lang="en-US" sz="1200" b="0" i="0" kern="1200" dirty="0" smtClean="0">
+                <a:solidFill>
+                  <a:schemeClr val="tx1"/>
+                </a:solidFill>
+                <a:effectLst/>
+                <a:latin typeface="+mn-lt"/>
+                <a:ea typeface="+mn-ea"/>
+                <a:cs typeface="+mn-cs"/>
+              </a:rPr>
+              <a:t>, the </a:t>
+            </a:r>
+            <a:r>
+              <a:rPr lang="en-US" sz="1200" b="1" i="0" kern="1200" dirty="0" smtClean="0">
+                <a:solidFill>
+                  <a:schemeClr val="tx1"/>
+                </a:solidFill>
+                <a:effectLst/>
+                <a:latin typeface="+mn-lt"/>
+                <a:ea typeface="+mn-ea"/>
+                <a:cs typeface="+mn-cs"/>
+              </a:rPr>
+              <a:t>Sharpe measure</a:t>
+            </a:r>
+            <a:r>
+              <a:rPr lang="en-US" sz="1200" b="0" i="0" kern="1200" dirty="0" smtClean="0">
+                <a:solidFill>
+                  <a:schemeClr val="tx1"/>
+                </a:solidFill>
+                <a:effectLst/>
+                <a:latin typeface="+mn-lt"/>
+                <a:ea typeface="+mn-ea"/>
+                <a:cs typeface="+mn-cs"/>
+              </a:rPr>
+              <a:t>, and the </a:t>
+            </a:r>
+            <a:r>
+              <a:rPr lang="en-US" sz="1200" b="1" i="0" kern="1200" dirty="0" smtClean="0">
+                <a:solidFill>
+                  <a:schemeClr val="tx1"/>
+                </a:solidFill>
+                <a:effectLst/>
+                <a:latin typeface="+mn-lt"/>
+                <a:ea typeface="+mn-ea"/>
+                <a:cs typeface="+mn-cs"/>
+              </a:rPr>
+              <a:t>reward-to-variability ratio</a:t>
+            </a:r>
+            <a:r>
+              <a:rPr lang="en-US" sz="1200" b="0" i="0" kern="1200" dirty="0" smtClean="0">
+                <a:solidFill>
+                  <a:schemeClr val="tx1"/>
+                </a:solidFill>
+                <a:effectLst/>
+                <a:latin typeface="+mn-lt"/>
+                <a:ea typeface="+mn-ea"/>
+                <a:cs typeface="+mn-cs"/>
+              </a:rPr>
+              <a:t>) measures the </a:t>
+            </a:r>
+            <a:r>
+              <a:rPr lang="en-US" sz="1200" b="0" i="0" kern="1200" dirty="0" smtClean="0">
+                <a:solidFill>
+                  <a:schemeClr val="tx1"/>
+                </a:solidFill>
+                <a:effectLst/>
+                <a:latin typeface="+mn-lt"/>
+                <a:ea typeface="+mn-ea"/>
+                <a:cs typeface="+mn-cs"/>
+                <a:hlinkClick r:id="rId3" tooltip="Excess return"/>
+              </a:rPr>
+              <a:t>excess return</a:t>
+            </a:r>
+            <a:r>
+              <a:rPr lang="en-US" sz="1200" b="0" i="0" kern="1200" dirty="0" smtClean="0">
+                <a:solidFill>
+                  <a:schemeClr val="tx1"/>
+                </a:solidFill>
+                <a:effectLst/>
+                <a:latin typeface="+mn-lt"/>
+                <a:ea typeface="+mn-ea"/>
+                <a:cs typeface="+mn-cs"/>
+              </a:rPr>
+              <a:t> (or </a:t>
+            </a:r>
+            <a:r>
+              <a:rPr lang="en-US" sz="1200" b="0" i="0" kern="1200" dirty="0" smtClean="0">
+                <a:solidFill>
+                  <a:schemeClr val="tx1"/>
+                </a:solidFill>
+                <a:effectLst/>
+                <a:latin typeface="+mn-lt"/>
+                <a:ea typeface="+mn-ea"/>
+                <a:cs typeface="+mn-cs"/>
+                <a:hlinkClick r:id="rId4" tooltip="Risk premium"/>
+              </a:rPr>
+              <a:t>risk premium</a:t>
+            </a:r>
+            <a:r>
+              <a:rPr lang="en-US" sz="1200" b="0" i="0" kern="1200" dirty="0" smtClean="0">
+                <a:solidFill>
+                  <a:schemeClr val="tx1"/>
+                </a:solidFill>
+                <a:effectLst/>
+                <a:latin typeface="+mn-lt"/>
+                <a:ea typeface="+mn-ea"/>
+                <a:cs typeface="+mn-cs"/>
+              </a:rPr>
+              <a:t>) per unit of deviation in an investment asset or a trading strategy, typically referred to as </a:t>
+            </a:r>
+            <a:r>
+              <a:rPr lang="en-US" sz="1200" b="0" i="0" kern="1200" dirty="0" smtClean="0">
+                <a:solidFill>
+                  <a:schemeClr val="tx1"/>
+                </a:solidFill>
+                <a:effectLst/>
+                <a:latin typeface="+mn-lt"/>
+                <a:ea typeface="+mn-ea"/>
+                <a:cs typeface="+mn-cs"/>
+                <a:hlinkClick r:id="rId5" tooltip="Financial risk"/>
+              </a:rPr>
+              <a:t>risk</a:t>
+            </a:r>
+            <a:r>
+              <a:rPr lang="en-US" sz="1200" b="0" i="0" kern="1200" dirty="0" smtClean="0">
+                <a:solidFill>
+                  <a:schemeClr val="tx1"/>
+                </a:solidFill>
+                <a:effectLst/>
+                <a:latin typeface="+mn-lt"/>
+                <a:ea typeface="+mn-ea"/>
+                <a:cs typeface="+mn-cs"/>
+              </a:rPr>
+              <a:t> (and is a </a:t>
+            </a:r>
+            <a:r>
+              <a:rPr lang="en-US" sz="1200" b="0" i="0" kern="1200" dirty="0" smtClean="0">
+                <a:solidFill>
+                  <a:schemeClr val="tx1"/>
+                </a:solidFill>
+                <a:effectLst/>
+                <a:latin typeface="+mn-lt"/>
+                <a:ea typeface="+mn-ea"/>
+                <a:cs typeface="+mn-cs"/>
+                <a:hlinkClick r:id="rId6" tooltip="Deviation risk measure"/>
+              </a:rPr>
+              <a:t>deviation risk measure</a:t>
+            </a:r>
+            <a:r>
+              <a:rPr lang="en-US" sz="1200" b="0" i="0" kern="1200" dirty="0" smtClean="0">
+                <a:solidFill>
+                  <a:schemeClr val="tx1"/>
+                </a:solidFill>
+                <a:effectLst/>
+                <a:latin typeface="+mn-lt"/>
+                <a:ea typeface="+mn-ea"/>
+                <a:cs typeface="+mn-cs"/>
+              </a:rPr>
+              <a:t>), named after </a:t>
+            </a:r>
+            <a:r>
+              <a:rPr lang="en-US" sz="1200" b="0" i="0" kern="1200" dirty="0" smtClean="0">
+                <a:solidFill>
+                  <a:schemeClr val="tx1"/>
+                </a:solidFill>
+                <a:effectLst/>
+                <a:latin typeface="+mn-lt"/>
+                <a:ea typeface="+mn-ea"/>
+                <a:cs typeface="+mn-cs"/>
+                <a:hlinkClick r:id="rId7" tooltip="William Forsyth Sharpe"/>
+              </a:rPr>
+              <a:t>William Forsyth Sharpe</a:t>
+            </a:r>
+            <a:r>
+              <a:rPr lang="en-US" sz="1200" b="0" i="0" kern="1200" dirty="0" smtClean="0">
+                <a:solidFill>
+                  <a:schemeClr val="tx1"/>
+                </a:solidFill>
+                <a:effectLst/>
+                <a:latin typeface="+mn-lt"/>
+                <a:ea typeface="+mn-ea"/>
+                <a:cs typeface="+mn-cs"/>
+              </a:rPr>
+              <a:t>.</a:t>
+            </a:r>
+          </a:p>
+          <a:p>
+            <a:endParaRPr lang="en-US" sz="1200" b="0" i="0" kern="1200" dirty="0" smtClean="0">
+              <a:solidFill>
+                <a:schemeClr val="tx1"/>
+              </a:solidFill>
+              <a:effectLst/>
+              <a:latin typeface="+mn-lt"/>
+              <a:ea typeface="+mn-ea"/>
+              <a:cs typeface="+mn-cs"/>
+            </a:endParaRPr>
+          </a:p>
+          <a:p>
+            <a:endParaRPr lang="en-US" sz="1200" b="0" i="0" kern="1200" dirty="0" smtClean="0">
+              <a:solidFill>
+                <a:schemeClr val="tx1"/>
+              </a:solidFill>
+              <a:effectLst/>
+              <a:latin typeface="+mn-lt"/>
+              <a:ea typeface="+mn-ea"/>
+              <a:cs typeface="+mn-cs"/>
+            </a:endParaRPr>
           </a:p>
         </p:txBody>
       </p:sp>
@@ -1157,7 +1498,7 @@
           <a:p>
             <a:fld id="{F7D0F957-66FF-4412-B3EB-46B6292E808A}" type="slidenum">
               <a:rPr lang="en-US" smtClean="0"/>
-              <a:t>11</a:t>
+              <a:t>14</a:t>
             </a:fld>
             <a:endParaRPr lang="en-US"/>
           </a:p>
@@ -1167,6 +1508,593 @@
     <p:extLst>
       <p:ext uri="{BB962C8B-B14F-4D97-AF65-F5344CB8AC3E}">
         <p14:creationId xmlns:p14="http://schemas.microsoft.com/office/powerpoint/2010/main" val="768504397"/>
+      </p:ext>
+    </p:extLst>
+  </p:cSld>
+  <p:clrMapOvr>
+    <a:masterClrMapping/>
+  </p:clrMapOvr>
+</p:notes>
+</file>
+
+<file path=ppt/notesSlides/notesSlide4.xml><?xml version="1.0" encoding="utf-8"?>
+<p:notes xmlns:a="http://schemas.openxmlformats.org/drawingml/2006/main" xmlns:r="http://schemas.openxmlformats.org/officeDocument/2006/relationships" xmlns:p="http://schemas.openxmlformats.org/presentationml/2006/main">
+  <p:cSld>
+    <p:spTree>
+      <p:nvGrpSpPr>
+        <p:cNvPr id="1" name=""/>
+        <p:cNvGrpSpPr/>
+        <p:nvPr/>
+      </p:nvGrpSpPr>
+      <p:grpSpPr>
+        <a:xfrm>
+          <a:off x="0" y="0"/>
+          <a:ext cx="0" cy="0"/>
+          <a:chOff x="0" y="0"/>
+          <a:chExt cx="0" cy="0"/>
+        </a:xfrm>
+      </p:grpSpPr>
+      <p:sp>
+        <p:nvSpPr>
+          <p:cNvPr id="2" name="Slide Image Placeholder 1"/>
+          <p:cNvSpPr>
+            <a:spLocks noGrp="1" noRot="1" noChangeAspect="1"/>
+          </p:cNvSpPr>
+          <p:nvPr>
+            <p:ph type="sldImg"/>
+          </p:nvPr>
+        </p:nvSpPr>
+        <p:spPr/>
+      </p:sp>
+      <p:sp>
+        <p:nvSpPr>
+          <p:cNvPr id="3" name="Notes Placeholder 2"/>
+          <p:cNvSpPr>
+            <a:spLocks noGrp="1"/>
+          </p:cNvSpPr>
+          <p:nvPr>
+            <p:ph type="body" idx="1"/>
+          </p:nvPr>
+        </p:nvSpPr>
+        <p:spPr/>
+        <p:txBody>
+          <a:bodyPr/>
+          <a:lstStyle/>
+          <a:p>
+            <a:r>
+              <a:rPr lang="en-US" dirty="0" smtClean="0"/>
+              <a:t>Holt-Winters</a:t>
+            </a:r>
+            <a:r>
+              <a:rPr lang="en-US" baseline="0" dirty="0" smtClean="0"/>
+              <a:t> double exponential smoothing forecasting</a:t>
+            </a:r>
+            <a:endParaRPr lang="en-US" dirty="0"/>
+          </a:p>
+        </p:txBody>
+      </p:sp>
+      <p:sp>
+        <p:nvSpPr>
+          <p:cNvPr id="4" name="Slide Number Placeholder 3"/>
+          <p:cNvSpPr>
+            <a:spLocks noGrp="1"/>
+          </p:cNvSpPr>
+          <p:nvPr>
+            <p:ph type="sldNum" sz="quarter" idx="10"/>
+          </p:nvPr>
+        </p:nvSpPr>
+        <p:spPr/>
+        <p:txBody>
+          <a:bodyPr/>
+          <a:lstStyle/>
+          <a:p>
+            <a:fld id="{F7D0F957-66FF-4412-B3EB-46B6292E808A}" type="slidenum">
+              <a:rPr lang="en-US" smtClean="0"/>
+              <a:t>15</a:t>
+            </a:fld>
+            <a:endParaRPr lang="en-US"/>
+          </a:p>
+        </p:txBody>
+      </p:sp>
+    </p:spTree>
+    <p:extLst>
+      <p:ext uri="{BB962C8B-B14F-4D97-AF65-F5344CB8AC3E}">
+        <p14:creationId xmlns:p14="http://schemas.microsoft.com/office/powerpoint/2010/main" val="2024080668"/>
+      </p:ext>
+    </p:extLst>
+  </p:cSld>
+  <p:clrMapOvr>
+    <a:masterClrMapping/>
+  </p:clrMapOvr>
+</p:notes>
+</file>
+
+<file path=ppt/notesSlides/notesSlide5.xml><?xml version="1.0" encoding="utf-8"?>
+<p:notes xmlns:a="http://schemas.openxmlformats.org/drawingml/2006/main" xmlns:r="http://schemas.openxmlformats.org/officeDocument/2006/relationships" xmlns:p="http://schemas.openxmlformats.org/presentationml/2006/main">
+  <p:cSld>
+    <p:spTree>
+      <p:nvGrpSpPr>
+        <p:cNvPr id="1" name=""/>
+        <p:cNvGrpSpPr/>
+        <p:nvPr/>
+      </p:nvGrpSpPr>
+      <p:grpSpPr>
+        <a:xfrm>
+          <a:off x="0" y="0"/>
+          <a:ext cx="0" cy="0"/>
+          <a:chOff x="0" y="0"/>
+          <a:chExt cx="0" cy="0"/>
+        </a:xfrm>
+      </p:grpSpPr>
+      <p:sp>
+        <p:nvSpPr>
+          <p:cNvPr id="2" name="Slide Image Placeholder 1"/>
+          <p:cNvSpPr>
+            <a:spLocks noGrp="1" noRot="1" noChangeAspect="1"/>
+          </p:cNvSpPr>
+          <p:nvPr>
+            <p:ph type="sldImg"/>
+          </p:nvPr>
+        </p:nvSpPr>
+        <p:spPr/>
+      </p:sp>
+      <p:sp>
+        <p:nvSpPr>
+          <p:cNvPr id="3" name="Notes Placeholder 2"/>
+          <p:cNvSpPr>
+            <a:spLocks noGrp="1"/>
+          </p:cNvSpPr>
+          <p:nvPr>
+            <p:ph type="body" idx="1"/>
+          </p:nvPr>
+        </p:nvSpPr>
+        <p:spPr/>
+        <p:txBody>
+          <a:bodyPr/>
+          <a:lstStyle/>
+          <a:p>
+            <a:r>
+              <a:rPr lang="en-US" dirty="0" smtClean="0"/>
+              <a:t>Models</a:t>
+            </a:r>
+            <a:r>
+              <a:rPr lang="en-US" baseline="0" dirty="0" smtClean="0"/>
+              <a:t> simplify the data, though at the cost of being super intense programmatically and in execution time</a:t>
+            </a:r>
+          </a:p>
+          <a:p>
+            <a:endParaRPr lang="en-US" baseline="0" dirty="0" smtClean="0"/>
+          </a:p>
+          <a:p>
+            <a:r>
+              <a:rPr lang="en-US" baseline="0" dirty="0" smtClean="0"/>
+              <a:t>The brain uses traits of direct reinforced learning on models from the lower order. This hopefully reduces </a:t>
+            </a:r>
+            <a:r>
+              <a:rPr lang="en-US" baseline="0" dirty="0" err="1" smtClean="0"/>
+              <a:t>dimentionality</a:t>
+            </a:r>
+            <a:endParaRPr lang="en-US" baseline="0" dirty="0" smtClean="0"/>
+          </a:p>
+          <a:p>
+            <a:endParaRPr lang="en-US" baseline="0" dirty="0" smtClean="0"/>
+          </a:p>
+          <a:p>
+            <a:r>
+              <a:rPr lang="en-US" sz="1200" b="0" i="0" kern="1200" dirty="0" smtClean="0">
+                <a:solidFill>
+                  <a:schemeClr val="tx1"/>
+                </a:solidFill>
+                <a:effectLst/>
+                <a:latin typeface="+mn-lt"/>
+                <a:ea typeface="+mn-ea"/>
+                <a:cs typeface="+mn-cs"/>
+              </a:rPr>
+              <a:t> two kinds of reinforcement learning algorithms, direct (model-free) and indirect (model-based),</a:t>
+            </a:r>
+          </a:p>
+          <a:p>
+            <a:endParaRPr lang="en-US" dirty="0"/>
+          </a:p>
+        </p:txBody>
+      </p:sp>
+      <p:sp>
+        <p:nvSpPr>
+          <p:cNvPr id="4" name="Slide Number Placeholder 3"/>
+          <p:cNvSpPr>
+            <a:spLocks noGrp="1"/>
+          </p:cNvSpPr>
+          <p:nvPr>
+            <p:ph type="sldNum" sz="quarter" idx="10"/>
+          </p:nvPr>
+        </p:nvSpPr>
+        <p:spPr/>
+        <p:txBody>
+          <a:bodyPr/>
+          <a:lstStyle/>
+          <a:p>
+            <a:fld id="{F7D0F957-66FF-4412-B3EB-46B6292E808A}" type="slidenum">
+              <a:rPr lang="en-US" smtClean="0"/>
+              <a:t>16</a:t>
+            </a:fld>
+            <a:endParaRPr lang="en-US"/>
+          </a:p>
+        </p:txBody>
+      </p:sp>
+    </p:spTree>
+    <p:extLst>
+      <p:ext uri="{BB962C8B-B14F-4D97-AF65-F5344CB8AC3E}">
+        <p14:creationId xmlns:p14="http://schemas.microsoft.com/office/powerpoint/2010/main" val="2941310001"/>
+      </p:ext>
+    </p:extLst>
+  </p:cSld>
+  <p:clrMapOvr>
+    <a:masterClrMapping/>
+  </p:clrMapOvr>
+</p:notes>
+</file>
+
+<file path=ppt/notesSlides/notesSlide6.xml><?xml version="1.0" encoding="utf-8"?>
+<p:notes xmlns:a="http://schemas.openxmlformats.org/drawingml/2006/main" xmlns:r="http://schemas.openxmlformats.org/officeDocument/2006/relationships" xmlns:p="http://schemas.openxmlformats.org/presentationml/2006/main">
+  <p:cSld>
+    <p:spTree>
+      <p:nvGrpSpPr>
+        <p:cNvPr id="1" name=""/>
+        <p:cNvGrpSpPr/>
+        <p:nvPr/>
+      </p:nvGrpSpPr>
+      <p:grpSpPr>
+        <a:xfrm>
+          <a:off x="0" y="0"/>
+          <a:ext cx="0" cy="0"/>
+          <a:chOff x="0" y="0"/>
+          <a:chExt cx="0" cy="0"/>
+        </a:xfrm>
+      </p:grpSpPr>
+      <p:sp>
+        <p:nvSpPr>
+          <p:cNvPr id="2" name="Slide Image Placeholder 1"/>
+          <p:cNvSpPr>
+            <a:spLocks noGrp="1" noRot="1" noChangeAspect="1"/>
+          </p:cNvSpPr>
+          <p:nvPr>
+            <p:ph type="sldImg"/>
+          </p:nvPr>
+        </p:nvSpPr>
+        <p:spPr/>
+      </p:sp>
+      <p:sp>
+        <p:nvSpPr>
+          <p:cNvPr id="3" name="Notes Placeholder 2"/>
+          <p:cNvSpPr>
+            <a:spLocks noGrp="1"/>
+          </p:cNvSpPr>
+          <p:nvPr>
+            <p:ph type="body" idx="1"/>
+          </p:nvPr>
+        </p:nvSpPr>
+        <p:spPr/>
+        <p:txBody>
+          <a:bodyPr/>
+          <a:lstStyle/>
+          <a:p>
+            <a:r>
+              <a:rPr lang="en-US" sz="1200" b="0" i="0" kern="1200" dirty="0" smtClean="0">
+                <a:solidFill>
+                  <a:schemeClr val="tx1"/>
+                </a:solidFill>
+                <a:effectLst/>
+                <a:latin typeface="+mn-lt"/>
+                <a:ea typeface="+mn-ea"/>
+                <a:cs typeface="+mn-cs"/>
+              </a:rPr>
+              <a:t>The strategy is very easy to describe:</a:t>
+            </a:r>
+            <a:r>
+              <a:rPr lang="en-US" dirty="0" smtClean="0"/>
+              <a:t/>
+            </a:r>
+            <a:br>
+              <a:rPr lang="en-US" dirty="0" smtClean="0"/>
+            </a:br>
+            <a:r>
+              <a:rPr lang="en-US" sz="1200" b="0" i="0" kern="1200" dirty="0" smtClean="0">
+                <a:solidFill>
+                  <a:schemeClr val="tx1"/>
+                </a:solidFill>
+                <a:effectLst/>
+                <a:latin typeface="+mn-lt"/>
+                <a:ea typeface="+mn-ea"/>
+                <a:cs typeface="+mn-cs"/>
+              </a:rPr>
+              <a:t>1. Divide the domain of your function in k sub intervals.</a:t>
+            </a:r>
+            <a:r>
+              <a:rPr lang="en-US" dirty="0" smtClean="0"/>
+              <a:t/>
+            </a:r>
+            <a:br>
+              <a:rPr lang="en-US" dirty="0" smtClean="0"/>
+            </a:br>
+            <a:r>
+              <a:rPr lang="en-US" sz="1200" b="0" i="0" kern="1200" dirty="0" smtClean="0">
+                <a:solidFill>
+                  <a:schemeClr val="tx1"/>
+                </a:solidFill>
+                <a:effectLst/>
+                <a:latin typeface="+mn-lt"/>
+                <a:ea typeface="+mn-ea"/>
+                <a:cs typeface="+mn-cs"/>
+              </a:rPr>
+              <a:t>2. Initialize k monomials;</a:t>
+            </a:r>
+            <a:r>
+              <a:rPr lang="en-US" dirty="0" smtClean="0"/>
+              <a:t/>
+            </a:r>
+            <a:br>
+              <a:rPr lang="en-US" dirty="0" smtClean="0"/>
+            </a:br>
+            <a:r>
+              <a:rPr lang="en-US" sz="1200" b="0" i="0" kern="1200" dirty="0" smtClean="0">
+                <a:solidFill>
+                  <a:schemeClr val="tx1"/>
+                </a:solidFill>
+                <a:effectLst/>
+                <a:latin typeface="+mn-lt"/>
+                <a:ea typeface="+mn-ea"/>
+                <a:cs typeface="+mn-cs"/>
+              </a:rPr>
+              <a:t>3. Consider the monomials as centroids of your clustering algorithm.</a:t>
+            </a:r>
+            <a:r>
+              <a:rPr lang="en-US" dirty="0" smtClean="0"/>
+              <a:t/>
+            </a:r>
+            <a:br>
+              <a:rPr lang="en-US" dirty="0" smtClean="0"/>
+            </a:br>
+            <a:r>
+              <a:rPr lang="en-US" sz="1200" b="0" i="0" kern="1200" dirty="0" smtClean="0">
+                <a:solidFill>
+                  <a:schemeClr val="tx1"/>
+                </a:solidFill>
+                <a:effectLst/>
+                <a:latin typeface="+mn-lt"/>
+                <a:ea typeface="+mn-ea"/>
+                <a:cs typeface="+mn-cs"/>
+              </a:rPr>
+              <a:t>4. Assign the points of the function to each monomial in compliance to the cluster </a:t>
+            </a:r>
+            <a:r>
+              <a:rPr lang="en-US" sz="1200" b="0" i="0" kern="1200" dirty="0" err="1" smtClean="0">
+                <a:solidFill>
+                  <a:schemeClr val="tx1"/>
+                </a:solidFill>
+                <a:effectLst/>
+                <a:latin typeface="+mn-lt"/>
+                <a:ea typeface="+mn-ea"/>
+                <a:cs typeface="+mn-cs"/>
+              </a:rPr>
+              <a:t>algo</a:t>
+            </a:r>
+            <a:r>
+              <a:rPr lang="en-US" sz="1200" b="0" i="0" kern="1200" dirty="0" smtClean="0">
+                <a:solidFill>
+                  <a:schemeClr val="tx1"/>
+                </a:solidFill>
+                <a:effectLst/>
+                <a:latin typeface="+mn-lt"/>
+                <a:ea typeface="+mn-ea"/>
+                <a:cs typeface="+mn-cs"/>
+              </a:rPr>
+              <a:t>.</a:t>
+            </a:r>
+            <a:r>
+              <a:rPr lang="en-US" dirty="0" smtClean="0"/>
+              <a:t/>
+            </a:r>
+            <a:br>
+              <a:rPr lang="en-US" dirty="0" smtClean="0"/>
+            </a:br>
+            <a:r>
+              <a:rPr lang="en-US" sz="1200" b="0" i="0" kern="1200" dirty="0" smtClean="0">
+                <a:solidFill>
+                  <a:schemeClr val="tx1"/>
+                </a:solidFill>
+                <a:effectLst/>
+                <a:latin typeface="+mn-lt"/>
+                <a:ea typeface="+mn-ea"/>
+                <a:cs typeface="+mn-cs"/>
+              </a:rPr>
+              <a:t>5. Use the gradient descent to adjust the parameters of each monomial.</a:t>
+            </a:r>
+            <a:r>
+              <a:rPr lang="en-US" dirty="0" smtClean="0"/>
+              <a:t/>
+            </a:r>
+            <a:br>
+              <a:rPr lang="en-US" dirty="0" smtClean="0"/>
+            </a:br>
+            <a:r>
+              <a:rPr lang="en-US" sz="1200" b="0" i="0" kern="1200" dirty="0" smtClean="0">
+                <a:solidFill>
+                  <a:schemeClr val="tx1"/>
+                </a:solidFill>
+                <a:effectLst/>
+                <a:latin typeface="+mn-lt"/>
+                <a:ea typeface="+mn-ea"/>
+                <a:cs typeface="+mn-cs"/>
+              </a:rPr>
+              <a:t>6. Go to 4. until the accuracy is good enough.</a:t>
+            </a:r>
+            <a:endParaRPr lang="en-US" dirty="0"/>
+          </a:p>
+        </p:txBody>
+      </p:sp>
+      <p:sp>
+        <p:nvSpPr>
+          <p:cNvPr id="4" name="Slide Number Placeholder 3"/>
+          <p:cNvSpPr>
+            <a:spLocks noGrp="1"/>
+          </p:cNvSpPr>
+          <p:nvPr>
+            <p:ph type="sldNum" sz="quarter" idx="10"/>
+          </p:nvPr>
+        </p:nvSpPr>
+        <p:spPr/>
+        <p:txBody>
+          <a:bodyPr/>
+          <a:lstStyle/>
+          <a:p>
+            <a:fld id="{F7D0F957-66FF-4412-B3EB-46B6292E808A}" type="slidenum">
+              <a:rPr lang="en-US" smtClean="0"/>
+              <a:t>18</a:t>
+            </a:fld>
+            <a:endParaRPr lang="en-US"/>
+          </a:p>
+        </p:txBody>
+      </p:sp>
+    </p:spTree>
+    <p:extLst>
+      <p:ext uri="{BB962C8B-B14F-4D97-AF65-F5344CB8AC3E}">
+        <p14:creationId xmlns:p14="http://schemas.microsoft.com/office/powerpoint/2010/main" val="160641225"/>
+      </p:ext>
+    </p:extLst>
+  </p:cSld>
+  <p:clrMapOvr>
+    <a:masterClrMapping/>
+  </p:clrMapOvr>
+</p:notes>
+</file>
+
+<file path=ppt/notesSlides/notesSlide7.xml><?xml version="1.0" encoding="utf-8"?>
+<p:notes xmlns:a="http://schemas.openxmlformats.org/drawingml/2006/main" xmlns:r="http://schemas.openxmlformats.org/officeDocument/2006/relationships" xmlns:p="http://schemas.openxmlformats.org/presentationml/2006/main">
+  <p:cSld>
+    <p:spTree>
+      <p:nvGrpSpPr>
+        <p:cNvPr id="1" name=""/>
+        <p:cNvGrpSpPr/>
+        <p:nvPr/>
+      </p:nvGrpSpPr>
+      <p:grpSpPr>
+        <a:xfrm>
+          <a:off x="0" y="0"/>
+          <a:ext cx="0" cy="0"/>
+          <a:chOff x="0" y="0"/>
+          <a:chExt cx="0" cy="0"/>
+        </a:xfrm>
+      </p:grpSpPr>
+      <p:sp>
+        <p:nvSpPr>
+          <p:cNvPr id="2" name="Slide Image Placeholder 1"/>
+          <p:cNvSpPr>
+            <a:spLocks noGrp="1" noRot="1" noChangeAspect="1"/>
+          </p:cNvSpPr>
+          <p:nvPr>
+            <p:ph type="sldImg"/>
+          </p:nvPr>
+        </p:nvSpPr>
+        <p:spPr/>
+      </p:sp>
+      <p:sp>
+        <p:nvSpPr>
+          <p:cNvPr id="3" name="Notes Placeholder 2"/>
+          <p:cNvSpPr>
+            <a:spLocks noGrp="1"/>
+          </p:cNvSpPr>
+          <p:nvPr>
+            <p:ph type="body" idx="1"/>
+          </p:nvPr>
+        </p:nvSpPr>
+        <p:spPr/>
+        <p:txBody>
+          <a:bodyPr/>
+          <a:lstStyle/>
+          <a:p>
+            <a:r>
+              <a:rPr lang="en-US" dirty="0" smtClean="0"/>
+              <a:t>Threshold Recurrent Reinforcement Learning Model outlined</a:t>
+            </a:r>
+            <a:r>
+              <a:rPr lang="en-US" baseline="0" dirty="0" smtClean="0"/>
+              <a:t> by </a:t>
+            </a:r>
+          </a:p>
+          <a:p>
+            <a:endParaRPr lang="en-US" baseline="0" dirty="0" smtClean="0"/>
+          </a:p>
+          <a:p>
+            <a:r>
+              <a:rPr lang="en-US" dirty="0" err="1" smtClean="0"/>
+              <a:t>Dietmar</a:t>
+            </a:r>
+            <a:r>
+              <a:rPr lang="en-US" dirty="0" smtClean="0"/>
+              <a:t> </a:t>
+            </a:r>
+            <a:r>
+              <a:rPr lang="en-US" dirty="0" err="1" smtClean="0"/>
+              <a:t>Maringer</a:t>
+            </a:r>
+            <a:r>
+              <a:rPr lang="en-US" dirty="0" smtClean="0"/>
+              <a:t> and </a:t>
+            </a:r>
+            <a:r>
+              <a:rPr lang="en-US" dirty="0" err="1" smtClean="0"/>
+              <a:t>Tikesh</a:t>
+            </a:r>
+            <a:r>
+              <a:rPr lang="en-US" dirty="0" smtClean="0"/>
+              <a:t> </a:t>
+            </a:r>
+            <a:r>
+              <a:rPr lang="en-US" dirty="0" err="1" smtClean="0"/>
+              <a:t>Ramtohul</a:t>
+            </a:r>
+            <a:endParaRPr lang="en-US" dirty="0" smtClean="0"/>
+          </a:p>
+          <a:p>
+            <a:r>
+              <a:rPr lang="en-US" dirty="0" err="1" smtClean="0"/>
+              <a:t>Universit¨at</a:t>
+            </a:r>
+            <a:r>
+              <a:rPr lang="en-US" dirty="0" smtClean="0"/>
+              <a:t> Basel, CH-4002 Basel, Switzerland</a:t>
+            </a:r>
+            <a:endParaRPr lang="en-US" dirty="0"/>
+          </a:p>
+        </p:txBody>
+      </p:sp>
+      <p:sp>
+        <p:nvSpPr>
+          <p:cNvPr id="4" name="Slide Number Placeholder 3"/>
+          <p:cNvSpPr>
+            <a:spLocks noGrp="1"/>
+          </p:cNvSpPr>
+          <p:nvPr>
+            <p:ph type="sldNum" sz="quarter" idx="10"/>
+          </p:nvPr>
+        </p:nvSpPr>
+        <p:spPr/>
+        <p:txBody>
+          <a:bodyPr/>
+          <a:lstStyle/>
+          <a:p>
+            <a:fld id="{F7D0F957-66FF-4412-B3EB-46B6292E808A}" type="slidenum">
+              <a:rPr lang="en-US" smtClean="0"/>
+              <a:t>19</a:t>
+            </a:fld>
+            <a:endParaRPr lang="en-US"/>
+          </a:p>
+        </p:txBody>
+      </p:sp>
+    </p:spTree>
+    <p:extLst>
+      <p:ext uri="{BB962C8B-B14F-4D97-AF65-F5344CB8AC3E}">
+        <p14:creationId xmlns:p14="http://schemas.microsoft.com/office/powerpoint/2010/main" val="1069401325"/>
       </p:ext>
     </p:extLst>
   </p:cSld>
@@ -1357,7 +2285,7 @@
           <a:p>
             <a:fld id="{F82F550F-61CC-4419-B707-6F4765F1307A}" type="datetimeFigureOut">
               <a:rPr lang="en-US" smtClean="0"/>
-              <a:t>12/11/2012</a:t>
+              <a:t>12/13/2012</a:t>
             </a:fld>
             <a:endParaRPr lang="en-US"/>
           </a:p>
@@ -1527,7 +2455,7 @@
           <a:p>
             <a:fld id="{F82F550F-61CC-4419-B707-6F4765F1307A}" type="datetimeFigureOut">
               <a:rPr lang="en-US" smtClean="0"/>
-              <a:t>12/11/2012</a:t>
+              <a:t>12/13/2012</a:t>
             </a:fld>
             <a:endParaRPr lang="en-US"/>
           </a:p>
@@ -1707,7 +2635,7 @@
           <a:p>
             <a:fld id="{F82F550F-61CC-4419-B707-6F4765F1307A}" type="datetimeFigureOut">
               <a:rPr lang="en-US" smtClean="0"/>
-              <a:t>12/11/2012</a:t>
+              <a:t>12/13/2012</a:t>
             </a:fld>
             <a:endParaRPr lang="en-US"/>
           </a:p>
@@ -1877,7 +2805,7 @@
           <a:p>
             <a:fld id="{F82F550F-61CC-4419-B707-6F4765F1307A}" type="datetimeFigureOut">
               <a:rPr lang="en-US" smtClean="0"/>
-              <a:t>12/11/2012</a:t>
+              <a:t>12/13/2012</a:t>
             </a:fld>
             <a:endParaRPr lang="en-US"/>
           </a:p>
@@ -2123,7 +3051,7 @@
           <a:p>
             <a:fld id="{F82F550F-61CC-4419-B707-6F4765F1307A}" type="datetimeFigureOut">
               <a:rPr lang="en-US" smtClean="0"/>
-              <a:t>12/11/2012</a:t>
+              <a:t>12/13/2012</a:t>
             </a:fld>
             <a:endParaRPr lang="en-US"/>
           </a:p>
@@ -2411,7 +3339,7 @@
           <a:p>
             <a:fld id="{F82F550F-61CC-4419-B707-6F4765F1307A}" type="datetimeFigureOut">
               <a:rPr lang="en-US" smtClean="0"/>
-              <a:t>12/11/2012</a:t>
+              <a:t>12/13/2012</a:t>
             </a:fld>
             <a:endParaRPr lang="en-US"/>
           </a:p>
@@ -2833,7 +3761,7 @@
           <a:p>
             <a:fld id="{F82F550F-61CC-4419-B707-6F4765F1307A}" type="datetimeFigureOut">
               <a:rPr lang="en-US" smtClean="0"/>
-              <a:t>12/11/2012</a:t>
+              <a:t>12/13/2012</a:t>
             </a:fld>
             <a:endParaRPr lang="en-US"/>
           </a:p>
@@ -2951,7 +3879,7 @@
           <a:p>
             <a:fld id="{F82F550F-61CC-4419-B707-6F4765F1307A}" type="datetimeFigureOut">
               <a:rPr lang="en-US" smtClean="0"/>
-              <a:t>12/11/2012</a:t>
+              <a:t>12/13/2012</a:t>
             </a:fld>
             <a:endParaRPr lang="en-US"/>
           </a:p>
@@ -3046,7 +3974,7 @@
           <a:p>
             <a:fld id="{F82F550F-61CC-4419-B707-6F4765F1307A}" type="datetimeFigureOut">
               <a:rPr lang="en-US" smtClean="0"/>
-              <a:t>12/11/2012</a:t>
+              <a:t>12/13/2012</a:t>
             </a:fld>
             <a:endParaRPr lang="en-US"/>
           </a:p>
@@ -3323,7 +4251,7 @@
           <a:p>
             <a:fld id="{F82F550F-61CC-4419-B707-6F4765F1307A}" type="datetimeFigureOut">
               <a:rPr lang="en-US" smtClean="0"/>
-              <a:t>12/11/2012</a:t>
+              <a:t>12/13/2012</a:t>
             </a:fld>
             <a:endParaRPr lang="en-US"/>
           </a:p>
@@ -3576,7 +4504,7 @@
           <a:p>
             <a:fld id="{F82F550F-61CC-4419-B707-6F4765F1307A}" type="datetimeFigureOut">
               <a:rPr lang="en-US" smtClean="0"/>
-              <a:t>12/11/2012</a:t>
+              <a:t>12/13/2012</a:t>
             </a:fld>
             <a:endParaRPr lang="en-US"/>
           </a:p>
@@ -3789,7 +4717,7 @@
           <a:p>
             <a:fld id="{F82F550F-61CC-4419-B707-6F4765F1307A}" type="datetimeFigureOut">
               <a:rPr lang="en-US" smtClean="0"/>
-              <a:t>12/11/2012</a:t>
+              <a:t>12/13/2012</a:t>
             </a:fld>
             <a:endParaRPr lang="en-US"/>
           </a:p>
@@ -4230,6 +5158,13 @@
   <p:clrMapOvr>
     <a:masterClrMapping/>
   </p:clrMapOvr>
+  <p:timing>
+    <p:tnLst>
+      <p:par>
+        <p:cTn id="1" dur="indefinite" restart="never" nodeType="tmRoot"/>
+      </p:par>
+    </p:tnLst>
+  </p:timing>
 </p:sld>
 </file>
 
@@ -4267,7 +5202,1841 @@
           <a:p>
             <a:r>
               <a:rPr lang="en-US" dirty="0" smtClean="0"/>
-              <a:t>Algorithms</a:t>
+              <a:t>Time Scale</a:t>
+            </a:r>
+            <a:endParaRPr lang="en-US" dirty="0"/>
+          </a:p>
+        </p:txBody>
+      </p:sp>
+      <p:sp>
+        <p:nvSpPr>
+          <p:cNvPr id="3" name="Content Placeholder 2"/>
+          <p:cNvSpPr>
+            <a:spLocks noGrp="1"/>
+          </p:cNvSpPr>
+          <p:nvPr>
+            <p:ph idx="1"/>
+          </p:nvPr>
+        </p:nvSpPr>
+        <p:spPr/>
+        <p:txBody>
+          <a:bodyPr>
+            <a:normAutofit lnSpcReduction="10000"/>
+          </a:bodyPr>
+          <a:lstStyle/>
+          <a:p>
+            <a:r>
+              <a:rPr lang="en-US" dirty="0" smtClean="0"/>
+              <a:t>Short</a:t>
+            </a:r>
+          </a:p>
+          <a:p>
+            <a:pPr lvl="1"/>
+            <a:r>
+              <a:rPr lang="en-US" dirty="0" smtClean="0"/>
+              <a:t>Typically intraday to a few days at most</a:t>
+            </a:r>
+          </a:p>
+          <a:p>
+            <a:pPr lvl="1"/>
+            <a:r>
+              <a:rPr lang="en-US" dirty="0" smtClean="0"/>
+              <a:t>Based more on “dumb” forecasting techniques</a:t>
+            </a:r>
+          </a:p>
+          <a:p>
+            <a:r>
+              <a:rPr lang="en-US" dirty="0" smtClean="0"/>
+              <a:t>Long</a:t>
+            </a:r>
+          </a:p>
+          <a:p>
+            <a:pPr lvl="1"/>
+            <a:r>
+              <a:rPr lang="en-US" dirty="0" smtClean="0"/>
+              <a:t>Typically daily or longer periods</a:t>
+            </a:r>
+          </a:p>
+          <a:p>
+            <a:pPr lvl="1"/>
+            <a:r>
+              <a:rPr lang="en-US" dirty="0" smtClean="0"/>
+              <a:t>Based on smarter forecasting techniques</a:t>
+            </a:r>
+          </a:p>
+          <a:p>
+            <a:pPr lvl="2"/>
+            <a:r>
+              <a:rPr lang="en-US" dirty="0" smtClean="0"/>
+              <a:t>Reversion to trend mean</a:t>
+            </a:r>
+          </a:p>
+          <a:p>
+            <a:pPr lvl="2"/>
+            <a:r>
+              <a:rPr lang="en-US" dirty="0" smtClean="0"/>
+              <a:t>Reversion to Fair Value</a:t>
+            </a:r>
+          </a:p>
+          <a:p>
+            <a:pPr lvl="2"/>
+            <a:r>
+              <a:rPr lang="en-US" dirty="0" smtClean="0"/>
+              <a:t>Some simpler techniques as well</a:t>
+            </a:r>
+            <a:endParaRPr lang="en-US" dirty="0"/>
+          </a:p>
+        </p:txBody>
+      </p:sp>
+    </p:spTree>
+    <p:extLst>
+      <p:ext uri="{BB962C8B-B14F-4D97-AF65-F5344CB8AC3E}">
+        <p14:creationId xmlns:p14="http://schemas.microsoft.com/office/powerpoint/2010/main" val="1125576368"/>
+      </p:ext>
+    </p:extLst>
+  </p:cSld>
+  <p:clrMapOvr>
+    <a:masterClrMapping/>
+  </p:clrMapOvr>
+  <p:timing>
+    <p:tnLst>
+      <p:par>
+        <p:cTn id="1" dur="indefinite" restart="never" nodeType="tmRoot"/>
+      </p:par>
+    </p:tnLst>
+  </p:timing>
+</p:sld>
+</file>
+
+<file path=ppt/slides/slide11.xml><?xml version="1.0" encoding="utf-8"?>
+<p:sld xmlns:a="http://schemas.openxmlformats.org/drawingml/2006/main" xmlns:r="http://schemas.openxmlformats.org/officeDocument/2006/relationships" xmlns:p="http://schemas.openxmlformats.org/presentationml/2006/main">
+  <p:cSld>
+    <p:spTree>
+      <p:nvGrpSpPr>
+        <p:cNvPr id="1" name=""/>
+        <p:cNvGrpSpPr/>
+        <p:nvPr/>
+      </p:nvGrpSpPr>
+      <p:grpSpPr>
+        <a:xfrm>
+          <a:off x="0" y="0"/>
+          <a:ext cx="0" cy="0"/>
+          <a:chOff x="0" y="0"/>
+          <a:chExt cx="0" cy="0"/>
+        </a:xfrm>
+      </p:grpSpPr>
+      <p:sp>
+        <p:nvSpPr>
+          <p:cNvPr id="2" name="Title 1"/>
+          <p:cNvSpPr>
+            <a:spLocks noGrp="1"/>
+          </p:cNvSpPr>
+          <p:nvPr>
+            <p:ph type="title"/>
+          </p:nvPr>
+        </p:nvSpPr>
+        <p:spPr/>
+        <p:txBody>
+          <a:bodyPr>
+            <a:normAutofit/>
+          </a:bodyPr>
+          <a:lstStyle/>
+          <a:p>
+            <a:r>
+              <a:rPr lang="en-US" dirty="0"/>
+              <a:t>Long Term: </a:t>
+            </a:r>
+            <a:r>
+              <a:rPr lang="en-US" dirty="0" err="1"/>
+              <a:t>Piotroski</a:t>
+            </a:r>
+            <a:r>
+              <a:rPr lang="en-US" dirty="0"/>
+              <a:t> - Timed </a:t>
+            </a:r>
+            <a:r>
+              <a:rPr lang="en-US" dirty="0" smtClean="0"/>
+              <a:t>Hedge</a:t>
+            </a:r>
+            <a:endParaRPr lang="en-US" dirty="0"/>
+          </a:p>
+        </p:txBody>
+      </p:sp>
+      <p:sp>
+        <p:nvSpPr>
+          <p:cNvPr id="3" name="Content Placeholder 2"/>
+          <p:cNvSpPr>
+            <a:spLocks noGrp="1"/>
+          </p:cNvSpPr>
+          <p:nvPr>
+            <p:ph idx="1"/>
+          </p:nvPr>
+        </p:nvSpPr>
+        <p:spPr/>
+        <p:txBody>
+          <a:bodyPr/>
+          <a:lstStyle/>
+          <a:p>
+            <a:r>
+              <a:rPr lang="en-US" dirty="0" smtClean="0"/>
+              <a:t>Rebalances every 4 weeks</a:t>
+            </a:r>
+          </a:p>
+          <a:p>
+            <a:r>
+              <a:rPr lang="en-US" dirty="0" smtClean="0"/>
+              <a:t>Omits low EPS, low Operating Income, low cash flow, low liquidity</a:t>
+            </a:r>
+          </a:p>
+          <a:p>
+            <a:r>
+              <a:rPr lang="en-US" dirty="0" smtClean="0"/>
+              <a:t>Positive d/dx on Return on Assets, Liquidity Ratio, Asset Turnover, Gross Margin</a:t>
+            </a:r>
+          </a:p>
+          <a:p>
+            <a:r>
+              <a:rPr lang="en-US" dirty="0" smtClean="0"/>
+              <a:t>Negative or 0 d/dx on Outstanding Shares, Debt/Assets</a:t>
+            </a:r>
+            <a:endParaRPr lang="en-US" dirty="0"/>
+          </a:p>
+        </p:txBody>
+      </p:sp>
+    </p:spTree>
+    <p:extLst>
+      <p:ext uri="{BB962C8B-B14F-4D97-AF65-F5344CB8AC3E}">
+        <p14:creationId xmlns:p14="http://schemas.microsoft.com/office/powerpoint/2010/main" val="3375771570"/>
+      </p:ext>
+    </p:extLst>
+  </p:cSld>
+  <p:clrMapOvr>
+    <a:masterClrMapping/>
+  </p:clrMapOvr>
+  <p:timing>
+    <p:tnLst>
+      <p:par>
+        <p:cTn id="1" dur="indefinite" restart="never" nodeType="tmRoot"/>
+      </p:par>
+    </p:tnLst>
+  </p:timing>
+</p:sld>
+</file>
+
+<file path=ppt/slides/slide12.xml><?xml version="1.0" encoding="utf-8"?>
+<p:sld xmlns:a="http://schemas.openxmlformats.org/drawingml/2006/main" xmlns:r="http://schemas.openxmlformats.org/officeDocument/2006/relationships" xmlns:p="http://schemas.openxmlformats.org/presentationml/2006/main">
+  <p:cSld>
+    <p:spTree>
+      <p:nvGrpSpPr>
+        <p:cNvPr id="1" name=""/>
+        <p:cNvGrpSpPr/>
+        <p:nvPr/>
+      </p:nvGrpSpPr>
+      <p:grpSpPr>
+        <a:xfrm>
+          <a:off x="0" y="0"/>
+          <a:ext cx="0" cy="0"/>
+          <a:chOff x="0" y="0"/>
+          <a:chExt cx="0" cy="0"/>
+        </a:xfrm>
+      </p:grpSpPr>
+      <p:sp>
+        <p:nvSpPr>
+          <p:cNvPr id="2" name="Title 1"/>
+          <p:cNvSpPr>
+            <a:spLocks noGrp="1"/>
+          </p:cNvSpPr>
+          <p:nvPr>
+            <p:ph type="title"/>
+          </p:nvPr>
+        </p:nvSpPr>
+        <p:spPr>
+          <a:xfrm>
+            <a:off x="457200" y="533400"/>
+            <a:ext cx="8229600" cy="868362"/>
+          </a:xfrm>
+        </p:spPr>
+        <p:txBody>
+          <a:bodyPr>
+            <a:normAutofit fontScale="90000"/>
+          </a:bodyPr>
+          <a:lstStyle/>
+          <a:p>
+            <a:r>
+              <a:rPr lang="en-US" dirty="0" err="1" smtClean="0"/>
+              <a:t>Piotroski</a:t>
+            </a:r>
+            <a:r>
+              <a:rPr lang="en-US" dirty="0" smtClean="0"/>
+              <a:t> continued</a:t>
+            </a:r>
+            <a:r>
+              <a:rPr lang="en-US" dirty="0"/>
+              <a:t/>
+            </a:r>
+            <a:br>
+              <a:rPr lang="en-US" dirty="0"/>
+            </a:br>
+            <a:endParaRPr lang="en-US" dirty="0"/>
+          </a:p>
+        </p:txBody>
+      </p:sp>
+      <p:graphicFrame>
+        <p:nvGraphicFramePr>
+          <p:cNvPr id="7" name="Table 6"/>
+          <p:cNvGraphicFramePr>
+            <a:graphicFrameLocks noGrp="1"/>
+          </p:cNvGraphicFramePr>
+          <p:nvPr>
+            <p:extLst>
+              <p:ext uri="{D42A27DB-BD31-4B8C-83A1-F6EECF244321}">
+                <p14:modId xmlns:p14="http://schemas.microsoft.com/office/powerpoint/2010/main" val="3762697858"/>
+              </p:ext>
+            </p:extLst>
+          </p:nvPr>
+        </p:nvGraphicFramePr>
+        <p:xfrm>
+          <a:off x="914400" y="1295400"/>
+          <a:ext cx="7162799" cy="5109210"/>
+        </p:xfrm>
+        <a:graphic>
+          <a:graphicData uri="http://schemas.openxmlformats.org/drawingml/2006/table">
+            <a:tbl>
+              <a:tblPr>
+                <a:tableStyleId>{5C22544A-7EE6-4342-B048-85BDC9FD1C3A}</a:tableStyleId>
+              </a:tblPr>
+              <a:tblGrid>
+                <a:gridCol w="2547333"/>
+                <a:gridCol w="2345565"/>
+                <a:gridCol w="2269901"/>
+              </a:tblGrid>
+              <a:tr h="262467">
+                <a:tc>
+                  <a:txBody>
+                    <a:bodyPr/>
+                    <a:lstStyle/>
+                    <a:p>
+                      <a:pPr algn="l" fontAlgn="ctr"/>
+                      <a:r>
+                        <a:rPr lang="en-US" sz="1800" u="none" strike="noStrike" dirty="0">
+                          <a:effectLst/>
+                        </a:rPr>
+                        <a:t>Screen</a:t>
+                      </a:r>
+                      <a:endParaRPr lang="en-US" sz="1800" b="1" i="0" u="none" strike="noStrike" dirty="0">
+                        <a:solidFill>
+                          <a:srgbClr val="444444"/>
+                        </a:solidFill>
+                        <a:effectLst/>
+                        <a:latin typeface="Arial"/>
+                      </a:endParaRPr>
+                    </a:p>
+                  </a:txBody>
+                  <a:tcPr marL="9525" marR="9525" marT="9525" marB="0" anchor="ctr"/>
+                </a:tc>
+                <a:tc gridSpan="2">
+                  <a:txBody>
+                    <a:bodyPr/>
+                    <a:lstStyle/>
+                    <a:p>
+                      <a:pPr algn="ctr" fontAlgn="ctr"/>
+                      <a:r>
+                        <a:rPr lang="en-US" sz="1800" u="none" strike="noStrike">
+                          <a:effectLst/>
+                        </a:rPr>
+                        <a:t>SPDR S&amp;P 500 ETF Trust</a:t>
+                      </a:r>
+                      <a:endParaRPr lang="en-US" sz="1800" b="1" i="0" u="none" strike="noStrike">
+                        <a:solidFill>
+                          <a:srgbClr val="444444"/>
+                        </a:solidFill>
+                        <a:effectLst/>
+                        <a:latin typeface="Arial"/>
+                      </a:endParaRPr>
+                    </a:p>
+                  </a:txBody>
+                  <a:tcPr marL="9525" marR="9525" marT="9525" marB="0" anchor="ctr"/>
+                </a:tc>
+                <a:tc hMerge="1">
+                  <a:txBody>
+                    <a:bodyPr/>
+                    <a:lstStyle/>
+                    <a:p>
+                      <a:endParaRPr lang="en-US"/>
+                    </a:p>
+                  </a:txBody>
+                  <a:tcPr/>
+                </a:tc>
+              </a:tr>
+              <a:tr h="262467">
+                <a:tc gridSpan="3">
+                  <a:txBody>
+                    <a:bodyPr/>
+                    <a:lstStyle/>
+                    <a:p>
+                      <a:pPr algn="l" fontAlgn="ctr"/>
+                      <a:r>
+                        <a:rPr lang="en-US" sz="1800" u="none" strike="noStrike" dirty="0">
+                          <a:effectLst/>
+                        </a:rPr>
+                        <a:t>Return</a:t>
+                      </a:r>
+                      <a:endParaRPr lang="en-US" sz="1800" b="1" i="0" u="none" strike="noStrike" dirty="0">
+                        <a:solidFill>
+                          <a:srgbClr val="444444"/>
+                        </a:solidFill>
+                        <a:effectLst/>
+                        <a:latin typeface="Arial"/>
+                      </a:endParaRPr>
+                    </a:p>
+                  </a:txBody>
+                  <a:tcPr marL="9525" marR="9525" marT="9525" marB="0" anchor="ctr"/>
+                </a:tc>
+                <a:tc hMerge="1">
+                  <a:txBody>
+                    <a:bodyPr/>
+                    <a:lstStyle/>
+                    <a:p>
+                      <a:endParaRPr lang="en-US"/>
+                    </a:p>
+                  </a:txBody>
+                  <a:tcPr/>
+                </a:tc>
+                <a:tc hMerge="1">
+                  <a:txBody>
+                    <a:bodyPr/>
+                    <a:lstStyle/>
+                    <a:p>
+                      <a:endParaRPr lang="en-US"/>
+                    </a:p>
+                  </a:txBody>
+                  <a:tcPr/>
+                </a:tc>
+              </a:tr>
+              <a:tr h="262467">
+                <a:tc>
+                  <a:txBody>
+                    <a:bodyPr/>
+                    <a:lstStyle/>
+                    <a:p>
+                      <a:pPr algn="l" fontAlgn="ctr"/>
+                      <a:r>
+                        <a:rPr lang="en-US" sz="1800" u="none" strike="noStrike">
+                          <a:effectLst/>
+                        </a:rPr>
+                        <a:t>Annualized</a:t>
+                      </a:r>
+                      <a:endParaRPr lang="en-US" sz="1800" b="0" i="0" u="none" strike="noStrike">
+                        <a:solidFill>
+                          <a:srgbClr val="444444"/>
+                        </a:solidFill>
+                        <a:effectLst/>
+                        <a:latin typeface="Arial"/>
+                      </a:endParaRPr>
+                    </a:p>
+                  </a:txBody>
+                  <a:tcPr marL="85725" marR="9525" marT="9525" marB="0" anchor="ctr"/>
+                </a:tc>
+                <a:tc>
+                  <a:txBody>
+                    <a:bodyPr/>
+                    <a:lstStyle/>
+                    <a:p>
+                      <a:pPr algn="ctr" fontAlgn="ctr"/>
+                      <a:r>
+                        <a:rPr lang="en-US" sz="1800" u="none" strike="noStrike">
+                          <a:effectLst/>
+                        </a:rPr>
+                        <a:t>27.99%</a:t>
+                      </a:r>
+                      <a:endParaRPr lang="en-US" sz="1800" b="0" i="0" u="none" strike="noStrike">
+                        <a:solidFill>
+                          <a:srgbClr val="444444"/>
+                        </a:solidFill>
+                        <a:effectLst/>
+                        <a:latin typeface="Arial"/>
+                      </a:endParaRPr>
+                    </a:p>
+                  </a:txBody>
+                  <a:tcPr marL="9525" marR="9525" marT="9525" marB="0" anchor="ctr"/>
+                </a:tc>
+                <a:tc>
+                  <a:txBody>
+                    <a:bodyPr/>
+                    <a:lstStyle/>
+                    <a:p>
+                      <a:pPr algn="ctr" fontAlgn="ctr"/>
+                      <a:r>
+                        <a:rPr lang="en-US" sz="1800" u="none" strike="noStrike">
+                          <a:effectLst/>
+                        </a:rPr>
+                        <a:t>6.22%</a:t>
+                      </a:r>
+                      <a:endParaRPr lang="en-US" sz="1800" b="0" i="0" u="none" strike="noStrike">
+                        <a:solidFill>
+                          <a:srgbClr val="444444"/>
+                        </a:solidFill>
+                        <a:effectLst/>
+                        <a:latin typeface="Arial"/>
+                      </a:endParaRPr>
+                    </a:p>
+                  </a:txBody>
+                  <a:tcPr marL="9525" marR="9525" marT="9525" marB="0" anchor="ctr"/>
+                </a:tc>
+              </a:tr>
+              <a:tr h="262467">
+                <a:tc>
+                  <a:txBody>
+                    <a:bodyPr/>
+                    <a:lstStyle/>
+                    <a:p>
+                      <a:pPr algn="l" fontAlgn="ctr"/>
+                      <a:r>
+                        <a:rPr lang="en-US" sz="1800" u="none" strike="noStrike">
+                          <a:effectLst/>
+                        </a:rPr>
+                        <a:t>One Month</a:t>
+                      </a:r>
+                      <a:endParaRPr lang="en-US" sz="1800" b="0" i="0" u="none" strike="noStrike">
+                        <a:solidFill>
+                          <a:srgbClr val="444444"/>
+                        </a:solidFill>
+                        <a:effectLst/>
+                        <a:latin typeface="Arial"/>
+                      </a:endParaRPr>
+                    </a:p>
+                  </a:txBody>
+                  <a:tcPr marL="85725" marR="9525" marT="9525" marB="0" anchor="ctr"/>
+                </a:tc>
+                <a:tc>
+                  <a:txBody>
+                    <a:bodyPr/>
+                    <a:lstStyle/>
+                    <a:p>
+                      <a:pPr algn="ctr" fontAlgn="ctr"/>
+                      <a:r>
+                        <a:rPr lang="en-US" sz="1800" u="none" strike="noStrike">
+                          <a:effectLst/>
+                        </a:rPr>
+                        <a:t>3.55%</a:t>
+                      </a:r>
+                      <a:endParaRPr lang="en-US" sz="1800" b="0" i="0" u="none" strike="noStrike">
+                        <a:solidFill>
+                          <a:srgbClr val="444444"/>
+                        </a:solidFill>
+                        <a:effectLst/>
+                        <a:latin typeface="Arial"/>
+                      </a:endParaRPr>
+                    </a:p>
+                  </a:txBody>
+                  <a:tcPr marL="9525" marR="9525" marT="9525" marB="0" anchor="ctr"/>
+                </a:tc>
+                <a:tc>
+                  <a:txBody>
+                    <a:bodyPr/>
+                    <a:lstStyle/>
+                    <a:p>
+                      <a:pPr algn="ctr" fontAlgn="ctr"/>
+                      <a:r>
+                        <a:rPr lang="en-US" sz="1800" u="none" strike="noStrike">
+                          <a:effectLst/>
+                        </a:rPr>
+                        <a:t>5.58%</a:t>
+                      </a:r>
+                      <a:endParaRPr lang="en-US" sz="1800" b="0" i="0" u="none" strike="noStrike">
+                        <a:solidFill>
+                          <a:srgbClr val="444444"/>
+                        </a:solidFill>
+                        <a:effectLst/>
+                        <a:latin typeface="Arial"/>
+                      </a:endParaRPr>
+                    </a:p>
+                  </a:txBody>
+                  <a:tcPr marL="9525" marR="9525" marT="9525" marB="0" anchor="ctr"/>
+                </a:tc>
+              </a:tr>
+              <a:tr h="262467">
+                <a:tc>
+                  <a:txBody>
+                    <a:bodyPr/>
+                    <a:lstStyle/>
+                    <a:p>
+                      <a:pPr algn="l" fontAlgn="ctr"/>
+                      <a:r>
+                        <a:rPr lang="en-US" sz="1800" u="none" strike="noStrike">
+                          <a:effectLst/>
+                        </a:rPr>
+                        <a:t>Three Month</a:t>
+                      </a:r>
+                      <a:endParaRPr lang="en-US" sz="1800" b="0" i="0" u="none" strike="noStrike">
+                        <a:solidFill>
+                          <a:srgbClr val="444444"/>
+                        </a:solidFill>
+                        <a:effectLst/>
+                        <a:latin typeface="Arial"/>
+                      </a:endParaRPr>
+                    </a:p>
+                  </a:txBody>
+                  <a:tcPr marL="85725" marR="9525" marT="9525" marB="0" anchor="ctr"/>
+                </a:tc>
+                <a:tc>
+                  <a:txBody>
+                    <a:bodyPr/>
+                    <a:lstStyle/>
+                    <a:p>
+                      <a:pPr algn="ctr" fontAlgn="ctr"/>
+                      <a:r>
+                        <a:rPr lang="en-US" sz="1800" u="none" strike="noStrike">
+                          <a:effectLst/>
+                        </a:rPr>
+                        <a:t>4.13%</a:t>
+                      </a:r>
+                      <a:endParaRPr lang="en-US" sz="1800" b="0" i="0" u="none" strike="noStrike">
+                        <a:solidFill>
+                          <a:srgbClr val="444444"/>
+                        </a:solidFill>
+                        <a:effectLst/>
+                        <a:latin typeface="Arial"/>
+                      </a:endParaRPr>
+                    </a:p>
+                  </a:txBody>
+                  <a:tcPr marL="9525" marR="9525" marT="9525" marB="0" anchor="ctr"/>
+                </a:tc>
+                <a:tc>
+                  <a:txBody>
+                    <a:bodyPr/>
+                    <a:lstStyle/>
+                    <a:p>
+                      <a:pPr algn="ctr" fontAlgn="ctr"/>
+                      <a:r>
+                        <a:rPr lang="en-US" sz="1800" u="none" strike="noStrike">
+                          <a:effectLst/>
+                        </a:rPr>
+                        <a:t>0.05%</a:t>
+                      </a:r>
+                      <a:endParaRPr lang="en-US" sz="1800" b="0" i="0" u="none" strike="noStrike">
+                        <a:solidFill>
+                          <a:srgbClr val="444444"/>
+                        </a:solidFill>
+                        <a:effectLst/>
+                        <a:latin typeface="Arial"/>
+                      </a:endParaRPr>
+                    </a:p>
+                  </a:txBody>
+                  <a:tcPr marL="9525" marR="9525" marT="9525" marB="0" anchor="ctr"/>
+                </a:tc>
+              </a:tr>
+              <a:tr h="262467">
+                <a:tc>
+                  <a:txBody>
+                    <a:bodyPr/>
+                    <a:lstStyle/>
+                    <a:p>
+                      <a:pPr algn="l" fontAlgn="ctr"/>
+                      <a:r>
+                        <a:rPr lang="en-US" sz="1800" u="none" strike="noStrike">
+                          <a:effectLst/>
+                        </a:rPr>
+                        <a:t>One Year</a:t>
+                      </a:r>
+                      <a:endParaRPr lang="en-US" sz="1800" b="0" i="0" u="none" strike="noStrike">
+                        <a:solidFill>
+                          <a:srgbClr val="444444"/>
+                        </a:solidFill>
+                        <a:effectLst/>
+                        <a:latin typeface="Arial"/>
+                      </a:endParaRPr>
+                    </a:p>
+                  </a:txBody>
+                  <a:tcPr marL="85725" marR="9525" marT="9525" marB="0" anchor="ctr"/>
+                </a:tc>
+                <a:tc>
+                  <a:txBody>
+                    <a:bodyPr/>
+                    <a:lstStyle/>
+                    <a:p>
+                      <a:pPr algn="ctr" fontAlgn="ctr"/>
+                      <a:r>
+                        <a:rPr lang="en-US" sz="1800" u="none" strike="noStrike">
+                          <a:effectLst/>
+                        </a:rPr>
+                        <a:t>4.31%</a:t>
+                      </a:r>
+                      <a:endParaRPr lang="en-US" sz="1800" b="0" i="0" u="none" strike="noStrike">
+                        <a:solidFill>
+                          <a:srgbClr val="444444"/>
+                        </a:solidFill>
+                        <a:effectLst/>
+                        <a:latin typeface="Arial"/>
+                      </a:endParaRPr>
+                    </a:p>
+                  </a:txBody>
+                  <a:tcPr marL="9525" marR="9525" marT="9525" marB="0" anchor="ctr"/>
+                </a:tc>
+                <a:tc>
+                  <a:txBody>
+                    <a:bodyPr/>
+                    <a:lstStyle/>
+                    <a:p>
+                      <a:pPr algn="ctr" fontAlgn="ctr"/>
+                      <a:r>
+                        <a:rPr lang="en-US" sz="1800" u="none" strike="noStrike">
+                          <a:effectLst/>
+                        </a:rPr>
+                        <a:t>19.13%</a:t>
+                      </a:r>
+                      <a:endParaRPr lang="en-US" sz="1800" b="0" i="0" u="none" strike="noStrike">
+                        <a:solidFill>
+                          <a:srgbClr val="444444"/>
+                        </a:solidFill>
+                        <a:effectLst/>
+                        <a:latin typeface="Arial"/>
+                      </a:endParaRPr>
+                    </a:p>
+                  </a:txBody>
+                  <a:tcPr marL="9525" marR="9525" marT="9525" marB="0" anchor="ctr"/>
+                </a:tc>
+              </a:tr>
+              <a:tr h="262467">
+                <a:tc>
+                  <a:txBody>
+                    <a:bodyPr/>
+                    <a:lstStyle/>
+                    <a:p>
+                      <a:pPr algn="l" fontAlgn="ctr"/>
+                      <a:r>
+                        <a:rPr lang="en-US" sz="1800" u="none" strike="noStrike">
+                          <a:effectLst/>
+                        </a:rPr>
+                        <a:t>Three Year</a:t>
+                      </a:r>
+                      <a:endParaRPr lang="en-US" sz="1800" b="0" i="0" u="none" strike="noStrike">
+                        <a:solidFill>
+                          <a:srgbClr val="444444"/>
+                        </a:solidFill>
+                        <a:effectLst/>
+                        <a:latin typeface="Arial"/>
+                      </a:endParaRPr>
+                    </a:p>
+                  </a:txBody>
+                  <a:tcPr marL="85725" marR="9525" marT="9525" marB="0" anchor="ctr"/>
+                </a:tc>
+                <a:tc>
+                  <a:txBody>
+                    <a:bodyPr/>
+                    <a:lstStyle/>
+                    <a:p>
+                      <a:pPr algn="ctr" fontAlgn="ctr"/>
+                      <a:r>
+                        <a:rPr lang="en-US" sz="1800" u="none" strike="noStrike">
+                          <a:effectLst/>
+                        </a:rPr>
+                        <a:t>60.59%</a:t>
+                      </a:r>
+                      <a:endParaRPr lang="en-US" sz="1800" b="0" i="0" u="none" strike="noStrike">
+                        <a:solidFill>
+                          <a:srgbClr val="444444"/>
+                        </a:solidFill>
+                        <a:effectLst/>
+                        <a:latin typeface="Arial"/>
+                      </a:endParaRPr>
+                    </a:p>
+                  </a:txBody>
+                  <a:tcPr marL="9525" marR="9525" marT="9525" marB="0" anchor="ctr"/>
+                </a:tc>
+                <a:tc>
+                  <a:txBody>
+                    <a:bodyPr/>
+                    <a:lstStyle/>
+                    <a:p>
+                      <a:pPr algn="ctr" fontAlgn="ctr"/>
+                      <a:r>
+                        <a:rPr lang="en-US" sz="1800" u="none" strike="noStrike">
+                          <a:effectLst/>
+                        </a:rPr>
+                        <a:t>37.21%</a:t>
+                      </a:r>
+                      <a:endParaRPr lang="en-US" sz="1800" b="0" i="0" u="none" strike="noStrike">
+                        <a:solidFill>
+                          <a:srgbClr val="444444"/>
+                        </a:solidFill>
+                        <a:effectLst/>
+                        <a:latin typeface="Arial"/>
+                      </a:endParaRPr>
+                    </a:p>
+                  </a:txBody>
+                  <a:tcPr marL="9525" marR="9525" marT="9525" marB="0" anchor="ctr"/>
+                </a:tc>
+              </a:tr>
+              <a:tr h="262467">
+                <a:tc>
+                  <a:txBody>
+                    <a:bodyPr/>
+                    <a:lstStyle/>
+                    <a:p>
+                      <a:pPr algn="l" fontAlgn="ctr"/>
+                      <a:r>
+                        <a:rPr lang="en-US" sz="1800" u="none" strike="noStrike">
+                          <a:effectLst/>
+                        </a:rPr>
+                        <a:t>Five Year</a:t>
+                      </a:r>
+                      <a:endParaRPr lang="en-US" sz="1800" b="0" i="0" u="none" strike="noStrike">
+                        <a:solidFill>
+                          <a:srgbClr val="444444"/>
+                        </a:solidFill>
+                        <a:effectLst/>
+                        <a:latin typeface="Arial"/>
+                      </a:endParaRPr>
+                    </a:p>
+                  </a:txBody>
+                  <a:tcPr marL="85725" marR="9525" marT="9525" marB="0" anchor="ctr"/>
+                </a:tc>
+                <a:tc>
+                  <a:txBody>
+                    <a:bodyPr/>
+                    <a:lstStyle/>
+                    <a:p>
+                      <a:pPr algn="ctr" fontAlgn="ctr"/>
+                      <a:r>
+                        <a:rPr lang="en-US" sz="1800" u="none" strike="noStrike">
+                          <a:effectLst/>
+                        </a:rPr>
+                        <a:t>97.74%</a:t>
+                      </a:r>
+                      <a:endParaRPr lang="en-US" sz="1800" b="0" i="0" u="none" strike="noStrike">
+                        <a:solidFill>
+                          <a:srgbClr val="444444"/>
+                        </a:solidFill>
+                        <a:effectLst/>
+                        <a:latin typeface="Arial"/>
+                      </a:endParaRPr>
+                    </a:p>
+                  </a:txBody>
+                  <a:tcPr marL="9525" marR="9525" marT="9525" marB="0" anchor="ctr"/>
+                </a:tc>
+                <a:tc>
+                  <a:txBody>
+                    <a:bodyPr/>
+                    <a:lstStyle/>
+                    <a:p>
+                      <a:pPr algn="ctr" fontAlgn="ctr"/>
+                      <a:r>
+                        <a:rPr lang="en-US" sz="1800" u="none" strike="noStrike">
+                          <a:effectLst/>
+                        </a:rPr>
+                        <a:t>8.53%</a:t>
+                      </a:r>
+                      <a:endParaRPr lang="en-US" sz="1800" b="0" i="0" u="none" strike="noStrike">
+                        <a:solidFill>
+                          <a:srgbClr val="444444"/>
+                        </a:solidFill>
+                        <a:effectLst/>
+                        <a:latin typeface="Arial"/>
+                      </a:endParaRPr>
+                    </a:p>
+                  </a:txBody>
+                  <a:tcPr marL="9525" marR="9525" marT="9525" marB="0" anchor="ctr"/>
+                </a:tc>
+              </a:tr>
+              <a:tr h="262467">
+                <a:tc>
+                  <a:txBody>
+                    <a:bodyPr/>
+                    <a:lstStyle/>
+                    <a:p>
+                      <a:pPr algn="l" fontAlgn="ctr"/>
+                      <a:r>
+                        <a:rPr lang="en-US" sz="1800" u="none" strike="noStrike">
+                          <a:effectLst/>
+                        </a:rPr>
+                        <a:t>Total</a:t>
+                      </a:r>
+                      <a:endParaRPr lang="en-US" sz="1800" b="0" i="0" u="none" strike="noStrike">
+                        <a:solidFill>
+                          <a:srgbClr val="444444"/>
+                        </a:solidFill>
+                        <a:effectLst/>
+                        <a:latin typeface="Arial"/>
+                      </a:endParaRPr>
+                    </a:p>
+                  </a:txBody>
+                  <a:tcPr marL="85725" marR="9525" marT="9525" marB="0" anchor="ctr"/>
+                </a:tc>
+                <a:tc>
+                  <a:txBody>
+                    <a:bodyPr/>
+                    <a:lstStyle/>
+                    <a:p>
+                      <a:pPr algn="ctr" fontAlgn="ctr"/>
+                      <a:r>
+                        <a:rPr lang="en-US" sz="1800" u="none" strike="noStrike">
+                          <a:effectLst/>
+                        </a:rPr>
+                        <a:t>1086.85%</a:t>
+                      </a:r>
+                      <a:endParaRPr lang="en-US" sz="1800" b="0" i="0" u="none" strike="noStrike">
+                        <a:solidFill>
+                          <a:srgbClr val="444444"/>
+                        </a:solidFill>
+                        <a:effectLst/>
+                        <a:latin typeface="Arial"/>
+                      </a:endParaRPr>
+                    </a:p>
+                  </a:txBody>
+                  <a:tcPr marL="9525" marR="9525" marT="9525" marB="0" anchor="ctr"/>
+                </a:tc>
+                <a:tc>
+                  <a:txBody>
+                    <a:bodyPr/>
+                    <a:lstStyle/>
+                    <a:p>
+                      <a:pPr algn="ctr" fontAlgn="ctr"/>
+                      <a:r>
+                        <a:rPr lang="en-US" sz="1800" u="none" strike="noStrike">
+                          <a:effectLst/>
+                        </a:rPr>
+                        <a:t>83.05%</a:t>
+                      </a:r>
+                      <a:endParaRPr lang="en-US" sz="1800" b="0" i="0" u="none" strike="noStrike">
+                        <a:solidFill>
+                          <a:srgbClr val="444444"/>
+                        </a:solidFill>
+                        <a:effectLst/>
+                        <a:latin typeface="Arial"/>
+                      </a:endParaRPr>
+                    </a:p>
+                  </a:txBody>
+                  <a:tcPr marL="9525" marR="9525" marT="9525" marB="0" anchor="ctr"/>
+                </a:tc>
+              </a:tr>
+              <a:tr h="262467">
+                <a:tc gridSpan="3">
+                  <a:txBody>
+                    <a:bodyPr/>
+                    <a:lstStyle/>
+                    <a:p>
+                      <a:pPr algn="l" fontAlgn="ctr"/>
+                      <a:r>
+                        <a:rPr lang="en-US" sz="1800" u="none" strike="noStrike">
+                          <a:effectLst/>
+                        </a:rPr>
+                        <a:t>Risk</a:t>
+                      </a:r>
+                      <a:endParaRPr lang="en-US" sz="1800" b="1" i="0" u="none" strike="noStrike">
+                        <a:solidFill>
+                          <a:srgbClr val="444444"/>
+                        </a:solidFill>
+                        <a:effectLst/>
+                        <a:latin typeface="Arial"/>
+                      </a:endParaRPr>
+                    </a:p>
+                  </a:txBody>
+                  <a:tcPr marL="9525" marR="9525" marT="9525" marB="0" anchor="ctr"/>
+                </a:tc>
+                <a:tc hMerge="1">
+                  <a:txBody>
+                    <a:bodyPr/>
+                    <a:lstStyle/>
+                    <a:p>
+                      <a:endParaRPr lang="en-US"/>
+                    </a:p>
+                  </a:txBody>
+                  <a:tcPr/>
+                </a:tc>
+                <a:tc hMerge="1">
+                  <a:txBody>
+                    <a:bodyPr/>
+                    <a:lstStyle/>
+                    <a:p>
+                      <a:endParaRPr lang="en-US"/>
+                    </a:p>
+                  </a:txBody>
+                  <a:tcPr/>
+                </a:tc>
+              </a:tr>
+              <a:tr h="262467">
+                <a:tc>
+                  <a:txBody>
+                    <a:bodyPr/>
+                    <a:lstStyle/>
+                    <a:p>
+                      <a:pPr algn="l" fontAlgn="ctr"/>
+                      <a:r>
+                        <a:rPr lang="en-US" sz="1800" u="none" strike="noStrike">
+                          <a:effectLst/>
+                        </a:rPr>
+                        <a:t>Sharpe Ratio</a:t>
+                      </a:r>
+                      <a:endParaRPr lang="en-US" sz="1800" b="0" i="0" u="none" strike="noStrike">
+                        <a:solidFill>
+                          <a:srgbClr val="444444"/>
+                        </a:solidFill>
+                        <a:effectLst/>
+                        <a:latin typeface="Arial"/>
+                      </a:endParaRPr>
+                    </a:p>
+                  </a:txBody>
+                  <a:tcPr marL="85725" marR="9525" marT="9525" marB="0" anchor="ctr"/>
+                </a:tc>
+                <a:tc>
+                  <a:txBody>
+                    <a:bodyPr/>
+                    <a:lstStyle/>
+                    <a:p>
+                      <a:pPr algn="ctr" fontAlgn="ctr"/>
+                      <a:r>
+                        <a:rPr lang="en-US" sz="1800" u="none" strike="noStrike">
+                          <a:effectLst/>
+                        </a:rPr>
+                        <a:t>1.07</a:t>
+                      </a:r>
+                      <a:endParaRPr lang="en-US" sz="1800" b="0" i="0" u="none" strike="noStrike">
+                        <a:solidFill>
+                          <a:srgbClr val="444444"/>
+                        </a:solidFill>
+                        <a:effectLst/>
+                        <a:latin typeface="Arial"/>
+                      </a:endParaRPr>
+                    </a:p>
+                  </a:txBody>
+                  <a:tcPr marL="9525" marR="9525" marT="9525" marB="0" anchor="ctr"/>
+                </a:tc>
+                <a:tc>
+                  <a:txBody>
+                    <a:bodyPr/>
+                    <a:lstStyle/>
+                    <a:p>
+                      <a:pPr algn="ctr" fontAlgn="ctr"/>
+                      <a:r>
+                        <a:rPr lang="en-US" sz="1800" u="none" strike="noStrike">
+                          <a:effectLst/>
+                        </a:rPr>
+                        <a:t>0.11</a:t>
+                      </a:r>
+                      <a:endParaRPr lang="en-US" sz="1800" b="0" i="0" u="none" strike="noStrike">
+                        <a:solidFill>
+                          <a:srgbClr val="444444"/>
+                        </a:solidFill>
+                        <a:effectLst/>
+                        <a:latin typeface="Arial"/>
+                      </a:endParaRPr>
+                    </a:p>
+                  </a:txBody>
+                  <a:tcPr marL="9525" marR="9525" marT="9525" marB="0" anchor="ctr"/>
+                </a:tc>
+              </a:tr>
+              <a:tr h="262467">
+                <a:tc>
+                  <a:txBody>
+                    <a:bodyPr/>
+                    <a:lstStyle/>
+                    <a:p>
+                      <a:pPr algn="l" fontAlgn="ctr"/>
+                      <a:r>
+                        <a:rPr lang="en-US" sz="1800" u="none" strike="noStrike">
+                          <a:effectLst/>
+                        </a:rPr>
+                        <a:t>Sortino Ratio</a:t>
+                      </a:r>
+                      <a:endParaRPr lang="en-US" sz="1800" b="0" i="0" u="none" strike="noStrike">
+                        <a:solidFill>
+                          <a:srgbClr val="444444"/>
+                        </a:solidFill>
+                        <a:effectLst/>
+                        <a:latin typeface="Arial"/>
+                      </a:endParaRPr>
+                    </a:p>
+                  </a:txBody>
+                  <a:tcPr marL="85725" marR="9525" marT="9525" marB="0" anchor="ctr"/>
+                </a:tc>
+                <a:tc>
+                  <a:txBody>
+                    <a:bodyPr/>
+                    <a:lstStyle/>
+                    <a:p>
+                      <a:pPr algn="ctr" fontAlgn="ctr"/>
+                      <a:r>
+                        <a:rPr lang="en-US" sz="1800" u="none" strike="noStrike">
+                          <a:effectLst/>
+                        </a:rPr>
+                        <a:t>1.52</a:t>
+                      </a:r>
+                      <a:endParaRPr lang="en-US" sz="1800" b="0" i="0" u="none" strike="noStrike">
+                        <a:solidFill>
+                          <a:srgbClr val="444444"/>
+                        </a:solidFill>
+                        <a:effectLst/>
+                        <a:latin typeface="Arial"/>
+                      </a:endParaRPr>
+                    </a:p>
+                  </a:txBody>
+                  <a:tcPr marL="9525" marR="9525" marT="9525" marB="0" anchor="ctr"/>
+                </a:tc>
+                <a:tc>
+                  <a:txBody>
+                    <a:bodyPr/>
+                    <a:lstStyle/>
+                    <a:p>
+                      <a:pPr algn="ctr" fontAlgn="ctr"/>
+                      <a:r>
+                        <a:rPr lang="en-US" sz="1800" u="none" strike="noStrike">
+                          <a:effectLst/>
+                        </a:rPr>
+                        <a:t>0.14</a:t>
+                      </a:r>
+                      <a:endParaRPr lang="en-US" sz="1800" b="0" i="0" u="none" strike="noStrike">
+                        <a:solidFill>
+                          <a:srgbClr val="444444"/>
+                        </a:solidFill>
+                        <a:effectLst/>
+                        <a:latin typeface="Arial"/>
+                      </a:endParaRPr>
+                    </a:p>
+                  </a:txBody>
+                  <a:tcPr marL="9525" marR="9525" marT="9525" marB="0" anchor="ctr"/>
+                </a:tc>
+              </a:tr>
+              <a:tr h="262467">
+                <a:tc>
+                  <a:txBody>
+                    <a:bodyPr/>
+                    <a:lstStyle/>
+                    <a:p>
+                      <a:pPr algn="l" fontAlgn="ctr"/>
+                      <a:r>
+                        <a:rPr lang="en-US" sz="1800" u="none" strike="noStrike">
+                          <a:effectLst/>
+                        </a:rPr>
+                        <a:t>Max Drawdown</a:t>
+                      </a:r>
+                      <a:endParaRPr lang="en-US" sz="1800" b="0" i="0" u="none" strike="noStrike">
+                        <a:solidFill>
+                          <a:srgbClr val="444444"/>
+                        </a:solidFill>
+                        <a:effectLst/>
+                        <a:latin typeface="Arial"/>
+                      </a:endParaRPr>
+                    </a:p>
+                  </a:txBody>
+                  <a:tcPr marL="85725" marR="9525" marT="9525" marB="0" anchor="ctr"/>
+                </a:tc>
+                <a:tc>
+                  <a:txBody>
+                    <a:bodyPr/>
+                    <a:lstStyle/>
+                    <a:p>
+                      <a:pPr algn="ctr" fontAlgn="ctr"/>
+                      <a:r>
+                        <a:rPr lang="en-US" sz="1800" u="none" strike="noStrike">
+                          <a:effectLst/>
+                        </a:rPr>
+                        <a:t>-23.64%</a:t>
+                      </a:r>
+                      <a:endParaRPr lang="en-US" sz="1800" b="0" i="0" u="none" strike="noStrike">
+                        <a:solidFill>
+                          <a:srgbClr val="FF0000"/>
+                        </a:solidFill>
+                        <a:effectLst/>
+                        <a:latin typeface="Verdana"/>
+                      </a:endParaRPr>
+                    </a:p>
+                  </a:txBody>
+                  <a:tcPr marL="9525" marR="9525" marT="9525" marB="0" anchor="ctr"/>
+                </a:tc>
+                <a:tc>
+                  <a:txBody>
+                    <a:bodyPr/>
+                    <a:lstStyle/>
+                    <a:p>
+                      <a:pPr algn="ctr" fontAlgn="ctr"/>
+                      <a:r>
+                        <a:rPr lang="en-US" sz="1800" u="none" strike="noStrike">
+                          <a:effectLst/>
+                        </a:rPr>
+                        <a:t>-55.42%</a:t>
+                      </a:r>
+                      <a:endParaRPr lang="en-US" sz="1800" b="0" i="0" u="none" strike="noStrike">
+                        <a:solidFill>
+                          <a:srgbClr val="FF0000"/>
+                        </a:solidFill>
+                        <a:effectLst/>
+                        <a:latin typeface="Verdana"/>
+                      </a:endParaRPr>
+                    </a:p>
+                  </a:txBody>
+                  <a:tcPr marL="9525" marR="9525" marT="9525" marB="0" anchor="ctr"/>
+                </a:tc>
+              </a:tr>
+              <a:tr h="262467">
+                <a:tc>
+                  <a:txBody>
+                    <a:bodyPr/>
+                    <a:lstStyle/>
+                    <a:p>
+                      <a:pPr algn="l" fontAlgn="ctr"/>
+                      <a:r>
+                        <a:rPr lang="en-US" sz="1800" u="none" strike="noStrike">
+                          <a:effectLst/>
+                        </a:rPr>
+                        <a:t>Standard Deviation</a:t>
+                      </a:r>
+                      <a:endParaRPr lang="en-US" sz="1800" b="0" i="0" u="none" strike="noStrike">
+                        <a:solidFill>
+                          <a:srgbClr val="444444"/>
+                        </a:solidFill>
+                        <a:effectLst/>
+                        <a:latin typeface="Arial"/>
+                      </a:endParaRPr>
+                    </a:p>
+                  </a:txBody>
+                  <a:tcPr marL="85725" marR="9525" marT="9525" marB="0" anchor="ctr"/>
+                </a:tc>
+                <a:tc>
+                  <a:txBody>
+                    <a:bodyPr/>
+                    <a:lstStyle/>
+                    <a:p>
+                      <a:pPr algn="ctr" fontAlgn="ctr"/>
+                      <a:r>
+                        <a:rPr lang="en-US" sz="1800" u="none" strike="noStrike">
+                          <a:effectLst/>
+                        </a:rPr>
+                        <a:t>22.69%</a:t>
+                      </a:r>
+                      <a:endParaRPr lang="en-US" sz="1800" b="0" i="0" u="none" strike="noStrike">
+                        <a:solidFill>
+                          <a:srgbClr val="444444"/>
+                        </a:solidFill>
+                        <a:effectLst/>
+                        <a:latin typeface="Arial"/>
+                      </a:endParaRPr>
+                    </a:p>
+                  </a:txBody>
+                  <a:tcPr marL="9525" marR="9525" marT="9525" marB="0" anchor="ctr"/>
+                </a:tc>
+                <a:tc>
+                  <a:txBody>
+                    <a:bodyPr/>
+                    <a:lstStyle/>
+                    <a:p>
+                      <a:pPr algn="ctr" fontAlgn="ctr"/>
+                      <a:r>
+                        <a:rPr lang="en-US" sz="1800" u="none" strike="noStrike">
+                          <a:effectLst/>
+                        </a:rPr>
+                        <a:t>23.87%</a:t>
+                      </a:r>
+                      <a:endParaRPr lang="en-US" sz="1800" b="0" i="0" u="none" strike="noStrike">
+                        <a:solidFill>
+                          <a:srgbClr val="444444"/>
+                        </a:solidFill>
+                        <a:effectLst/>
+                        <a:latin typeface="Arial"/>
+                      </a:endParaRPr>
+                    </a:p>
+                  </a:txBody>
+                  <a:tcPr marL="9525" marR="9525" marT="9525" marB="0" anchor="ctr"/>
+                </a:tc>
+              </a:tr>
+              <a:tr h="262467">
+                <a:tc>
+                  <a:txBody>
+                    <a:bodyPr/>
+                    <a:lstStyle/>
+                    <a:p>
+                      <a:pPr algn="l" fontAlgn="ctr"/>
+                      <a:r>
+                        <a:rPr lang="en-US" sz="1800" u="none" strike="noStrike">
+                          <a:effectLst/>
+                        </a:rPr>
+                        <a:t>Correlation</a:t>
+                      </a:r>
+                      <a:endParaRPr lang="en-US" sz="1800" b="0" i="0" u="none" strike="noStrike">
+                        <a:solidFill>
+                          <a:srgbClr val="444444"/>
+                        </a:solidFill>
+                        <a:effectLst/>
+                        <a:latin typeface="Arial"/>
+                      </a:endParaRPr>
+                    </a:p>
+                  </a:txBody>
+                  <a:tcPr marL="85725" marR="9525" marT="9525" marB="0" anchor="ctr"/>
+                </a:tc>
+                <a:tc>
+                  <a:txBody>
+                    <a:bodyPr/>
+                    <a:lstStyle/>
+                    <a:p>
+                      <a:pPr algn="ctr" fontAlgn="ctr"/>
+                      <a:r>
+                        <a:rPr lang="en-US" sz="1800" u="none" strike="noStrike">
+                          <a:effectLst/>
+                        </a:rPr>
+                        <a:t>0.62</a:t>
+                      </a:r>
+                      <a:endParaRPr lang="en-US" sz="1800" b="0" i="0" u="none" strike="noStrike">
+                        <a:solidFill>
+                          <a:srgbClr val="444444"/>
+                        </a:solidFill>
+                        <a:effectLst/>
+                        <a:latin typeface="Arial"/>
+                      </a:endParaRPr>
+                    </a:p>
+                  </a:txBody>
+                  <a:tcPr marL="9525" marR="9525" marT="9525" marB="0" anchor="ctr"/>
+                </a:tc>
+                <a:tc>
+                  <a:txBody>
+                    <a:bodyPr/>
+                    <a:lstStyle/>
+                    <a:p>
+                      <a:pPr algn="ctr" fontAlgn="ctr"/>
+                      <a:r>
+                        <a:rPr lang="en-US" sz="1800" u="none" strike="noStrike">
+                          <a:effectLst/>
+                        </a:rPr>
+                        <a:t>-</a:t>
+                      </a:r>
+                      <a:endParaRPr lang="en-US" sz="1800" b="0" i="0" u="none" strike="noStrike">
+                        <a:solidFill>
+                          <a:srgbClr val="444444"/>
+                        </a:solidFill>
+                        <a:effectLst/>
+                        <a:latin typeface="Arial"/>
+                      </a:endParaRPr>
+                    </a:p>
+                  </a:txBody>
+                  <a:tcPr marL="9525" marR="9525" marT="9525" marB="0" anchor="ctr"/>
+                </a:tc>
+              </a:tr>
+              <a:tr h="262467">
+                <a:tc>
+                  <a:txBody>
+                    <a:bodyPr/>
+                    <a:lstStyle/>
+                    <a:p>
+                      <a:pPr algn="l" fontAlgn="ctr"/>
+                      <a:r>
+                        <a:rPr lang="en-US" sz="1800" u="none" strike="noStrike">
+                          <a:effectLst/>
+                        </a:rPr>
+                        <a:t>R-Squared</a:t>
+                      </a:r>
+                      <a:endParaRPr lang="en-US" sz="1800" b="0" i="0" u="none" strike="noStrike">
+                        <a:solidFill>
+                          <a:srgbClr val="444444"/>
+                        </a:solidFill>
+                        <a:effectLst/>
+                        <a:latin typeface="Arial"/>
+                      </a:endParaRPr>
+                    </a:p>
+                  </a:txBody>
+                  <a:tcPr marL="85725" marR="9525" marT="9525" marB="0" anchor="ctr"/>
+                </a:tc>
+                <a:tc>
+                  <a:txBody>
+                    <a:bodyPr/>
+                    <a:lstStyle/>
+                    <a:p>
+                      <a:pPr algn="ctr" fontAlgn="ctr"/>
+                      <a:r>
+                        <a:rPr lang="en-US" sz="1800" u="none" strike="noStrike">
+                          <a:effectLst/>
+                        </a:rPr>
+                        <a:t>0.38</a:t>
+                      </a:r>
+                      <a:endParaRPr lang="en-US" sz="1800" b="0" i="0" u="none" strike="noStrike">
+                        <a:solidFill>
+                          <a:srgbClr val="444444"/>
+                        </a:solidFill>
+                        <a:effectLst/>
+                        <a:latin typeface="Arial"/>
+                      </a:endParaRPr>
+                    </a:p>
+                  </a:txBody>
+                  <a:tcPr marL="9525" marR="9525" marT="9525" marB="0" anchor="ctr"/>
+                </a:tc>
+                <a:tc>
+                  <a:txBody>
+                    <a:bodyPr/>
+                    <a:lstStyle/>
+                    <a:p>
+                      <a:pPr algn="ctr" fontAlgn="ctr"/>
+                      <a:r>
+                        <a:rPr lang="en-US" sz="1800" u="none" strike="noStrike">
+                          <a:effectLst/>
+                        </a:rPr>
+                        <a:t>-</a:t>
+                      </a:r>
+                      <a:endParaRPr lang="en-US" sz="1800" b="0" i="0" u="none" strike="noStrike">
+                        <a:solidFill>
+                          <a:srgbClr val="444444"/>
+                        </a:solidFill>
+                        <a:effectLst/>
+                        <a:latin typeface="Arial"/>
+                      </a:endParaRPr>
+                    </a:p>
+                  </a:txBody>
+                  <a:tcPr marL="9525" marR="9525" marT="9525" marB="0" anchor="ctr"/>
+                </a:tc>
+              </a:tr>
+              <a:tr h="262467">
+                <a:tc>
+                  <a:txBody>
+                    <a:bodyPr/>
+                    <a:lstStyle/>
+                    <a:p>
+                      <a:pPr algn="l" fontAlgn="ctr"/>
+                      <a:r>
+                        <a:rPr lang="en-US" sz="1800" u="none" strike="noStrike">
+                          <a:effectLst/>
+                        </a:rPr>
+                        <a:t>Beta</a:t>
+                      </a:r>
+                      <a:endParaRPr lang="en-US" sz="1800" b="0" i="0" u="none" strike="noStrike">
+                        <a:solidFill>
+                          <a:srgbClr val="444444"/>
+                        </a:solidFill>
+                        <a:effectLst/>
+                        <a:latin typeface="Arial"/>
+                      </a:endParaRPr>
+                    </a:p>
+                  </a:txBody>
+                  <a:tcPr marL="85725" marR="9525" marT="9525" marB="0" anchor="ctr"/>
+                </a:tc>
+                <a:tc>
+                  <a:txBody>
+                    <a:bodyPr/>
+                    <a:lstStyle/>
+                    <a:p>
+                      <a:pPr algn="ctr" fontAlgn="ctr"/>
+                      <a:r>
+                        <a:rPr lang="en-US" sz="1800" u="none" strike="noStrike">
+                          <a:effectLst/>
+                        </a:rPr>
+                        <a:t>0.59</a:t>
+                      </a:r>
+                      <a:endParaRPr lang="en-US" sz="1800" b="0" i="0" u="none" strike="noStrike">
+                        <a:solidFill>
+                          <a:srgbClr val="444444"/>
+                        </a:solidFill>
+                        <a:effectLst/>
+                        <a:latin typeface="Arial"/>
+                      </a:endParaRPr>
+                    </a:p>
+                  </a:txBody>
+                  <a:tcPr marL="9525" marR="9525" marT="9525" marB="0" anchor="ctr"/>
+                </a:tc>
+                <a:tc>
+                  <a:txBody>
+                    <a:bodyPr/>
+                    <a:lstStyle/>
+                    <a:p>
+                      <a:pPr algn="ctr" fontAlgn="ctr"/>
+                      <a:r>
+                        <a:rPr lang="en-US" sz="1800" u="none" strike="noStrike">
+                          <a:effectLst/>
+                        </a:rPr>
+                        <a:t>-</a:t>
+                      </a:r>
+                      <a:endParaRPr lang="en-US" sz="1800" b="0" i="0" u="none" strike="noStrike">
+                        <a:solidFill>
+                          <a:srgbClr val="444444"/>
+                        </a:solidFill>
+                        <a:effectLst/>
+                        <a:latin typeface="Arial"/>
+                      </a:endParaRPr>
+                    </a:p>
+                  </a:txBody>
+                  <a:tcPr marL="9525" marR="9525" marT="9525" marB="0" anchor="ctr"/>
+                </a:tc>
+              </a:tr>
+              <a:tr h="262467">
+                <a:tc>
+                  <a:txBody>
+                    <a:bodyPr/>
+                    <a:lstStyle/>
+                    <a:p>
+                      <a:pPr algn="l" fontAlgn="ctr"/>
+                      <a:r>
+                        <a:rPr lang="en-US" sz="1800" u="none" strike="noStrike">
+                          <a:effectLst/>
+                        </a:rPr>
+                        <a:t>Alpha (annualized)</a:t>
+                      </a:r>
+                      <a:endParaRPr lang="en-US" sz="1800" b="0" i="0" u="none" strike="noStrike">
+                        <a:solidFill>
+                          <a:srgbClr val="444444"/>
+                        </a:solidFill>
+                        <a:effectLst/>
+                        <a:latin typeface="Arial"/>
+                      </a:endParaRPr>
+                    </a:p>
+                  </a:txBody>
+                  <a:tcPr marL="85725" marR="9525" marT="9525" marB="0" anchor="ctr"/>
+                </a:tc>
+                <a:tc>
+                  <a:txBody>
+                    <a:bodyPr/>
+                    <a:lstStyle/>
+                    <a:p>
+                      <a:pPr algn="ctr" fontAlgn="ctr"/>
+                      <a:r>
+                        <a:rPr lang="en-US" sz="1800" u="none" strike="noStrike">
+                          <a:effectLst/>
+                        </a:rPr>
+                        <a:t>22.03%</a:t>
+                      </a:r>
+                      <a:endParaRPr lang="en-US" sz="1800" b="0" i="0" u="none" strike="noStrike">
+                        <a:solidFill>
+                          <a:srgbClr val="444444"/>
+                        </a:solidFill>
+                        <a:effectLst/>
+                        <a:latin typeface="Arial"/>
+                      </a:endParaRPr>
+                    </a:p>
+                  </a:txBody>
+                  <a:tcPr marL="9525" marR="9525" marT="9525" marB="0" anchor="ctr"/>
+                </a:tc>
+                <a:tc>
+                  <a:txBody>
+                    <a:bodyPr/>
+                    <a:lstStyle/>
+                    <a:p>
+                      <a:pPr algn="ctr" fontAlgn="ctr"/>
+                      <a:r>
+                        <a:rPr lang="en-US" sz="1800" u="none" strike="noStrike" dirty="0">
+                          <a:effectLst/>
+                        </a:rPr>
+                        <a:t>-</a:t>
+                      </a:r>
+                      <a:endParaRPr lang="en-US" sz="1800" b="0" i="0" u="none" strike="noStrike" dirty="0">
+                        <a:solidFill>
+                          <a:srgbClr val="444444"/>
+                        </a:solidFill>
+                        <a:effectLst/>
+                        <a:latin typeface="Arial"/>
+                      </a:endParaRPr>
+                    </a:p>
+                  </a:txBody>
+                  <a:tcPr marL="9525" marR="9525" marT="9525" marB="0" anchor="ctr"/>
+                </a:tc>
+              </a:tr>
+            </a:tbl>
+          </a:graphicData>
+        </a:graphic>
+      </p:graphicFrame>
+    </p:spTree>
+    <p:extLst>
+      <p:ext uri="{BB962C8B-B14F-4D97-AF65-F5344CB8AC3E}">
+        <p14:creationId xmlns:p14="http://schemas.microsoft.com/office/powerpoint/2010/main" val="1748644844"/>
+      </p:ext>
+    </p:extLst>
+  </p:cSld>
+  <p:clrMapOvr>
+    <a:masterClrMapping/>
+  </p:clrMapOvr>
+  <p:timing>
+    <p:tnLst>
+      <p:par>
+        <p:cTn id="1" dur="indefinite" restart="never" nodeType="tmRoot"/>
+      </p:par>
+    </p:tnLst>
+  </p:timing>
+</p:sld>
+</file>
+
+<file path=ppt/slides/slide13.xml><?xml version="1.0" encoding="utf-8"?>
+<p:sld xmlns:a="http://schemas.openxmlformats.org/drawingml/2006/main" xmlns:r="http://schemas.openxmlformats.org/officeDocument/2006/relationships" xmlns:p="http://schemas.openxmlformats.org/presentationml/2006/main">
+  <p:cSld>
+    <p:spTree>
+      <p:nvGrpSpPr>
+        <p:cNvPr id="1" name=""/>
+        <p:cNvGrpSpPr/>
+        <p:nvPr/>
+      </p:nvGrpSpPr>
+      <p:grpSpPr>
+        <a:xfrm>
+          <a:off x="0" y="0"/>
+          <a:ext cx="0" cy="0"/>
+          <a:chOff x="0" y="0"/>
+          <a:chExt cx="0" cy="0"/>
+        </a:xfrm>
+      </p:grpSpPr>
+      <p:sp>
+        <p:nvSpPr>
+          <p:cNvPr id="2" name="Title 1"/>
+          <p:cNvSpPr>
+            <a:spLocks noGrp="1"/>
+          </p:cNvSpPr>
+          <p:nvPr>
+            <p:ph type="title"/>
+          </p:nvPr>
+        </p:nvSpPr>
+        <p:spPr/>
+        <p:txBody>
+          <a:bodyPr/>
+          <a:lstStyle/>
+          <a:p>
+            <a:r>
+              <a:rPr lang="en-US" dirty="0" err="1" smtClean="0"/>
+              <a:t>Piotroski</a:t>
+            </a:r>
+            <a:r>
+              <a:rPr lang="en-US" dirty="0"/>
+              <a:t> </a:t>
+            </a:r>
+            <a:r>
+              <a:rPr lang="en-US" dirty="0" smtClean="0"/>
+              <a:t>continued</a:t>
+            </a:r>
+            <a:endParaRPr lang="en-US" dirty="0"/>
+          </a:p>
+        </p:txBody>
+      </p:sp>
+      <p:pic>
+        <p:nvPicPr>
+          <p:cNvPr id="3074" name="Picture 2"/>
+          <p:cNvPicPr>
+            <a:picLocks noChangeAspect="1" noChangeArrowheads="1"/>
+          </p:cNvPicPr>
+          <p:nvPr/>
+        </p:nvPicPr>
+        <p:blipFill>
+          <a:blip r:embed="rId2">
+            <a:extLst>
+              <a:ext uri="{28A0092B-C50C-407E-A947-70E740481C1C}">
+                <a14:useLocalDpi xmlns:a14="http://schemas.microsoft.com/office/drawing/2010/main" val="0"/>
+              </a:ext>
+            </a:extLst>
+          </a:blip>
+          <a:srcRect/>
+          <a:stretch>
+            <a:fillRect/>
+          </a:stretch>
+        </p:blipFill>
+        <p:spPr bwMode="auto">
+          <a:xfrm>
+            <a:off x="381000" y="1676400"/>
+            <a:ext cx="8134350" cy="4648200"/>
+          </a:xfrm>
+          <a:prstGeom prst="rect">
+            <a:avLst/>
+          </a:prstGeom>
+          <a:noFill/>
+          <a:ln>
+            <a:noFill/>
+          </a:ln>
+          <a:effectLst/>
+          <a:extLst>
+            <a:ext uri="{909E8E84-426E-40DD-AFC4-6F175D3DCCD1}">
+              <a14:hiddenFill xmlns:a14="http://schemas.microsoft.com/office/drawing/2010/main">
+                <a:solidFill>
+                  <a:schemeClr val="accent1"/>
+                </a:solidFill>
+              </a14:hiddenFill>
+            </a:ext>
+            <a:ext uri="{91240B29-F687-4F45-9708-019B960494DF}">
+              <a14:hiddenLine xmlns:a14="http://schemas.microsoft.com/office/drawing/2010/main" w="9525">
+                <a:solidFill>
+                  <a:schemeClr val="tx1"/>
+                </a:solidFill>
+                <a:miter lim="800000"/>
+                <a:headEnd/>
+                <a:tailEnd/>
+              </a14:hiddenLine>
+            </a:ext>
+            <a:ext uri="{AF507438-7753-43E0-B8FC-AC1667EBCBE1}">
+              <a14:hiddenEffects xmlns:a14="http://schemas.microsoft.com/office/drawing/2010/main">
+                <a:effectLst>
+                  <a:outerShdw dist="35921" dir="2700000" algn="ctr" rotWithShape="0">
+                    <a:schemeClr val="bg2"/>
+                  </a:outerShdw>
+                </a:effectLst>
+              </a14:hiddenEffects>
+            </a:ext>
+          </a:extLst>
+        </p:spPr>
+      </p:pic>
+    </p:spTree>
+    <p:extLst>
+      <p:ext uri="{BB962C8B-B14F-4D97-AF65-F5344CB8AC3E}">
+        <p14:creationId xmlns:p14="http://schemas.microsoft.com/office/powerpoint/2010/main" val="2945364217"/>
+      </p:ext>
+    </p:extLst>
+  </p:cSld>
+  <p:clrMapOvr>
+    <a:masterClrMapping/>
+  </p:clrMapOvr>
+  <p:timing>
+    <p:tnLst>
+      <p:par>
+        <p:cTn id="1" dur="indefinite" restart="never" nodeType="tmRoot"/>
+      </p:par>
+    </p:tnLst>
+  </p:timing>
+</p:sld>
+</file>
+
+<file path=ppt/slides/slide14.xml><?xml version="1.0" encoding="utf-8"?>
+<p:sld xmlns:a="http://schemas.openxmlformats.org/drawingml/2006/main" xmlns:r="http://schemas.openxmlformats.org/officeDocument/2006/relationships" xmlns:p="http://schemas.openxmlformats.org/presentationml/2006/main">
+  <p:cSld>
+    <p:spTree>
+      <p:nvGrpSpPr>
+        <p:cNvPr id="1" name=""/>
+        <p:cNvGrpSpPr/>
+        <p:nvPr/>
+      </p:nvGrpSpPr>
+      <p:grpSpPr>
+        <a:xfrm>
+          <a:off x="0" y="0"/>
+          <a:ext cx="0" cy="0"/>
+          <a:chOff x="0" y="0"/>
+          <a:chExt cx="0" cy="0"/>
+        </a:xfrm>
+      </p:grpSpPr>
+      <p:sp>
+        <p:nvSpPr>
+          <p:cNvPr id="2" name="Title 1"/>
+          <p:cNvSpPr>
+            <a:spLocks noGrp="1"/>
+          </p:cNvSpPr>
+          <p:nvPr>
+            <p:ph type="title"/>
+          </p:nvPr>
+        </p:nvSpPr>
+        <p:spPr/>
+        <p:txBody>
+          <a:bodyPr/>
+          <a:lstStyle/>
+          <a:p>
+            <a:r>
+              <a:rPr lang="en-US" dirty="0" smtClean="0"/>
+              <a:t>Considerations</a:t>
+            </a:r>
+            <a:endParaRPr lang="en-US" dirty="0"/>
+          </a:p>
+        </p:txBody>
+      </p:sp>
+      <p:sp>
+        <p:nvSpPr>
+          <p:cNvPr id="3" name="Content Placeholder 2"/>
+          <p:cNvSpPr>
+            <a:spLocks noGrp="1"/>
+          </p:cNvSpPr>
+          <p:nvPr>
+            <p:ph idx="1"/>
+          </p:nvPr>
+        </p:nvSpPr>
+        <p:spPr/>
+        <p:txBody>
+          <a:bodyPr>
+            <a:normAutofit lnSpcReduction="10000"/>
+          </a:bodyPr>
+          <a:lstStyle/>
+          <a:p>
+            <a:r>
+              <a:rPr lang="en-US" dirty="0" smtClean="0"/>
+              <a:t>Direct vs. Model Based Learning</a:t>
+            </a:r>
+          </a:p>
+          <a:p>
+            <a:pPr lvl="1"/>
+            <a:r>
+              <a:rPr lang="en-US" dirty="0" smtClean="0"/>
+              <a:t>SARSA, Q-Learning, RRL </a:t>
+            </a:r>
+          </a:p>
+          <a:p>
+            <a:r>
+              <a:rPr lang="en-US" dirty="0" smtClean="0"/>
+              <a:t>Forecast Period</a:t>
+            </a:r>
+          </a:p>
+          <a:p>
+            <a:r>
+              <a:rPr lang="en-US" dirty="0" smtClean="0"/>
+              <a:t>Estimating Differentials</a:t>
+            </a:r>
+          </a:p>
+          <a:p>
+            <a:pPr lvl="1"/>
+            <a:r>
+              <a:rPr lang="en-US" dirty="0" smtClean="0"/>
+              <a:t>Backward Euler Method, Finite Differences, Monte Carlo</a:t>
+            </a:r>
+          </a:p>
+          <a:p>
+            <a:r>
+              <a:rPr lang="en-US" dirty="0" smtClean="0"/>
+              <a:t>Evaluating Performance</a:t>
+            </a:r>
+          </a:p>
+          <a:p>
+            <a:pPr lvl="1"/>
+            <a:r>
+              <a:rPr lang="en-US" dirty="0" smtClean="0"/>
+              <a:t>Sharpe Ratio vs. Sterling Ratio vs. Double Deviation Ratio</a:t>
+            </a:r>
+          </a:p>
+        </p:txBody>
+      </p:sp>
+    </p:spTree>
+    <p:extLst>
+      <p:ext uri="{BB962C8B-B14F-4D97-AF65-F5344CB8AC3E}">
+        <p14:creationId xmlns:p14="http://schemas.microsoft.com/office/powerpoint/2010/main" val="639636045"/>
+      </p:ext>
+    </p:extLst>
+  </p:cSld>
+  <p:clrMapOvr>
+    <a:masterClrMapping/>
+  </p:clrMapOvr>
+  <p:timing>
+    <p:tnLst>
+      <p:par>
+        <p:cTn id="1" dur="indefinite" restart="never" nodeType="tmRoot"/>
+      </p:par>
+    </p:tnLst>
+  </p:timing>
+</p:sld>
+</file>
+
+<file path=ppt/slides/slide15.xml><?xml version="1.0" encoding="utf-8"?>
+<p:sld xmlns:a="http://schemas.openxmlformats.org/drawingml/2006/main" xmlns:r="http://schemas.openxmlformats.org/officeDocument/2006/relationships" xmlns:p="http://schemas.openxmlformats.org/presentationml/2006/main">
+  <p:cSld>
+    <p:spTree>
+      <p:nvGrpSpPr>
+        <p:cNvPr id="1" name=""/>
+        <p:cNvGrpSpPr/>
+        <p:nvPr/>
+      </p:nvGrpSpPr>
+      <p:grpSpPr>
+        <a:xfrm>
+          <a:off x="0" y="0"/>
+          <a:ext cx="0" cy="0"/>
+          <a:chOff x="0" y="0"/>
+          <a:chExt cx="0" cy="0"/>
+        </a:xfrm>
+      </p:grpSpPr>
+      <p:sp>
+        <p:nvSpPr>
+          <p:cNvPr id="2" name="Title 1"/>
+          <p:cNvSpPr>
+            <a:spLocks noGrp="1"/>
+          </p:cNvSpPr>
+          <p:nvPr>
+            <p:ph type="title"/>
+          </p:nvPr>
+        </p:nvSpPr>
+        <p:spPr/>
+        <p:txBody>
+          <a:bodyPr/>
+          <a:lstStyle/>
+          <a:p>
+            <a:r>
+              <a:rPr lang="en-US" dirty="0" smtClean="0"/>
+              <a:t>Models</a:t>
             </a:r>
             <a:endParaRPr lang="en-US" dirty="0"/>
           </a:p>
@@ -4363,7 +7132,7 @@
         </p:blipFill>
         <p:spPr bwMode="auto">
           <a:xfrm>
-            <a:off x="5984289" y="1828800"/>
+            <a:off x="5486400" y="1828800"/>
             <a:ext cx="2895600" cy="3874206"/>
           </a:xfrm>
           <a:prstGeom prst="rect">
@@ -4414,126 +7183,17 @@
   <p:clrMapOvr>
     <a:masterClrMapping/>
   </p:clrMapOvr>
+  <p:timing>
+    <p:tnLst>
+      <p:par>
+        <p:cTn id="1" dur="indefinite" restart="never" nodeType="tmRoot"/>
+      </p:par>
+    </p:tnLst>
+  </p:timing>
 </p:sld>
 </file>
 
-<file path=ppt/slides/slide11.xml><?xml version="1.0" encoding="utf-8"?>
-<p:sld xmlns:a="http://schemas.openxmlformats.org/drawingml/2006/main" xmlns:r="http://schemas.openxmlformats.org/officeDocument/2006/relationships" xmlns:p="http://schemas.openxmlformats.org/presentationml/2006/main">
-  <p:cSld>
-    <p:spTree>
-      <p:nvGrpSpPr>
-        <p:cNvPr id="1" name=""/>
-        <p:cNvGrpSpPr/>
-        <p:nvPr/>
-      </p:nvGrpSpPr>
-      <p:grpSpPr>
-        <a:xfrm>
-          <a:off x="0" y="0"/>
-          <a:ext cx="0" cy="0"/>
-          <a:chOff x="0" y="0"/>
-          <a:chExt cx="0" cy="0"/>
-        </a:xfrm>
-      </p:grpSpPr>
-      <p:sp>
-        <p:nvSpPr>
-          <p:cNvPr id="2" name="Title 1"/>
-          <p:cNvSpPr>
-            <a:spLocks noGrp="1"/>
-          </p:cNvSpPr>
-          <p:nvPr>
-            <p:ph type="title"/>
-          </p:nvPr>
-        </p:nvSpPr>
-        <p:spPr/>
-        <p:txBody>
-          <a:bodyPr/>
-          <a:lstStyle/>
-          <a:p>
-            <a:r>
-              <a:rPr lang="en-US" dirty="0" smtClean="0"/>
-              <a:t>Considerations</a:t>
-            </a:r>
-            <a:endParaRPr lang="en-US" dirty="0"/>
-          </a:p>
-        </p:txBody>
-      </p:sp>
-      <p:sp>
-        <p:nvSpPr>
-          <p:cNvPr id="3" name="Content Placeholder 2"/>
-          <p:cNvSpPr>
-            <a:spLocks noGrp="1"/>
-          </p:cNvSpPr>
-          <p:nvPr>
-            <p:ph idx="1"/>
-          </p:nvPr>
-        </p:nvSpPr>
-        <p:spPr/>
-        <p:txBody>
-          <a:bodyPr>
-            <a:normAutofit lnSpcReduction="10000"/>
-          </a:bodyPr>
-          <a:lstStyle/>
-          <a:p>
-            <a:r>
-              <a:rPr lang="en-US" dirty="0" smtClean="0"/>
-              <a:t>Direct vs. Model Based Learning</a:t>
-            </a:r>
-          </a:p>
-          <a:p>
-            <a:pPr lvl="1"/>
-            <a:r>
-              <a:rPr lang="en-US" dirty="0" smtClean="0"/>
-              <a:t>SARSA, Q-Learning, RRL </a:t>
-            </a:r>
-          </a:p>
-          <a:p>
-            <a:r>
-              <a:rPr lang="en-US" dirty="0" smtClean="0"/>
-              <a:t>Forecast Period</a:t>
-            </a:r>
-          </a:p>
-          <a:p>
-            <a:r>
-              <a:rPr lang="en-US" dirty="0" smtClean="0"/>
-              <a:t>Estimating Differentials</a:t>
-            </a:r>
-          </a:p>
-          <a:p>
-            <a:pPr lvl="1"/>
-            <a:r>
-              <a:rPr lang="en-US" dirty="0" smtClean="0"/>
-              <a:t>Backward Euler Method, Finite Differences, Monte Carlo</a:t>
-            </a:r>
-          </a:p>
-          <a:p>
-            <a:r>
-              <a:rPr lang="en-US" dirty="0" smtClean="0"/>
-              <a:t>Evaluating Performance</a:t>
-            </a:r>
-          </a:p>
-          <a:p>
-            <a:pPr lvl="1"/>
-            <a:r>
-              <a:rPr lang="en-US" dirty="0" smtClean="0"/>
-              <a:t>Sharpe Ratio vs. Sterling Ratio vs. Double Deviation Ratio</a:t>
-            </a:r>
-          </a:p>
-        </p:txBody>
-      </p:sp>
-    </p:spTree>
-    <p:extLst>
-      <p:ext uri="{BB962C8B-B14F-4D97-AF65-F5344CB8AC3E}">
-        <p14:creationId xmlns:p14="http://schemas.microsoft.com/office/powerpoint/2010/main" val="639636045"/>
-      </p:ext>
-    </p:extLst>
-  </p:cSld>
-  <p:clrMapOvr>
-    <a:masterClrMapping/>
-  </p:clrMapOvr>
-</p:sld>
-</file>
-
-<file path=ppt/slides/slide12.xml><?xml version="1.0" encoding="utf-8"?>
+<file path=ppt/slides/slide16.xml><?xml version="1.0" encoding="utf-8"?>
 <p:sld xmlns:a="http://schemas.openxmlformats.org/drawingml/2006/main" xmlns:r="http://schemas.openxmlformats.org/officeDocument/2006/relationships" xmlns:p="http://schemas.openxmlformats.org/presentationml/2006/main">
   <p:cSld>
     <p:spTree>
@@ -4559,7 +7219,7 @@
           <p:nvPr/>
         </p:nvPicPr>
         <p:blipFill>
-          <a:blip r:embed="rId2">
+          <a:blip r:embed="rId3">
             <a:extLst>
               <a:ext uri="{28A0092B-C50C-407E-A947-70E740481C1C}">
                 <a14:useLocalDpi xmlns:a14="http://schemas.microsoft.com/office/drawing/2010/main" val="0"/>
@@ -5201,10 +7861,17 @@
   <p:clrMapOvr>
     <a:masterClrMapping/>
   </p:clrMapOvr>
+  <p:timing>
+    <p:tnLst>
+      <p:par>
+        <p:cTn id="1" dur="indefinite" restart="never" nodeType="tmRoot"/>
+      </p:par>
+    </p:tnLst>
+  </p:timing>
 </p:sld>
 </file>
 
-<file path=ppt/slides/slide13.xml><?xml version="1.0" encoding="utf-8"?>
+<file path=ppt/slides/slide17.xml><?xml version="1.0" encoding="utf-8"?>
 <p:sld xmlns:a="http://schemas.openxmlformats.org/drawingml/2006/main" xmlns:r="http://schemas.openxmlformats.org/officeDocument/2006/relationships" xmlns:p="http://schemas.openxmlformats.org/presentationml/2006/main">
   <p:cSld>
     <p:spTree>
@@ -5303,9 +7970,19 @@
             </a:r>
             <a:r>
               <a:rPr lang="en-US" dirty="0" smtClean="0"/>
-              <a:t>(s) to act on</a:t>
-            </a:r>
-            <a:endParaRPr lang="en-US" dirty="0"/>
+              <a:t>(s) to act </a:t>
+            </a:r>
+            <a:r>
+              <a:rPr lang="en-US" dirty="0" smtClean="0"/>
+              <a:t>on</a:t>
+            </a:r>
+          </a:p>
+          <a:p>
+            <a:r>
+              <a:rPr lang="en-US" b="1" dirty="0" smtClean="0"/>
+              <a:t>Periodic Search of other maxima</a:t>
+            </a:r>
+            <a:endParaRPr lang="en-US" b="1" dirty="0"/>
           </a:p>
         </p:txBody>
       </p:sp>
@@ -5319,10 +7996,17 @@
   <p:clrMapOvr>
     <a:masterClrMapping/>
   </p:clrMapOvr>
+  <p:timing>
+    <p:tnLst>
+      <p:par>
+        <p:cTn id="1" dur="indefinite" restart="never" nodeType="tmRoot"/>
+      </p:par>
+    </p:tnLst>
+  </p:timing>
 </p:sld>
 </file>
 
-<file path=ppt/slides/slide14.xml><?xml version="1.0" encoding="utf-8"?>
+<file path=ppt/slides/slide18.xml><?xml version="1.0" encoding="utf-8"?>
 <p:sld xmlns:a="http://schemas.openxmlformats.org/drawingml/2006/main" xmlns:r="http://schemas.openxmlformats.org/officeDocument/2006/relationships" xmlns:p="http://schemas.openxmlformats.org/presentationml/2006/main">
   <p:cSld>
     <p:spTree>
@@ -5356,51 +8040,151 @@
           <a:p>
             <a:r>
               <a:rPr lang="en-US" dirty="0" smtClean="0"/>
-              <a:t>Future Work</a:t>
+              <a:t>Maximizing Sharpe Ratio</a:t>
             </a:r>
             <a:endParaRPr lang="en-US" dirty="0"/>
           </a:p>
         </p:txBody>
       </p:sp>
-      <p:sp>
-        <p:nvSpPr>
-          <p:cNvPr id="3" name="Content Placeholder 2"/>
-          <p:cNvSpPr>
-            <a:spLocks noGrp="1"/>
-          </p:cNvSpPr>
-          <p:nvPr>
-            <p:ph idx="1"/>
-          </p:nvPr>
-        </p:nvSpPr>
-        <p:spPr/>
-        <p:txBody>
-          <a:bodyPr/>
-          <a:lstStyle/>
-          <a:p>
-            <a:r>
-              <a:rPr lang="en-US" dirty="0" smtClean="0"/>
-              <a:t>Complete More Algorithms</a:t>
-            </a:r>
-          </a:p>
-          <a:p>
-            <a:r>
-              <a:rPr lang="en-US" dirty="0" smtClean="0"/>
-              <a:t>Get Reliable Data </a:t>
-            </a:r>
-          </a:p>
-          <a:p>
-            <a:r>
-              <a:rPr lang="en-US" dirty="0" smtClean="0"/>
-              <a:t>Learn even more Math and Statistics</a:t>
-            </a:r>
-            <a:endParaRPr lang="en-US" dirty="0"/>
-          </a:p>
-        </p:txBody>
-      </p:sp>
+      <p:pic>
+        <p:nvPicPr>
+          <p:cNvPr id="5122" name="Picture 2" descr="http://api.ning.com/files/a7JiUdNYriGGHK3-ARTAEOKw6BQhicMYnpnQP35hhg7klZQ4brv422VpgdZPaQR7r68Of5z8ujK8nZMqKrC0SzhembiTTxXn/functionAndHyperplanes.bmp?width=750"/>
+          <p:cNvPicPr>
+            <a:picLocks noChangeAspect="1" noChangeArrowheads="1"/>
+          </p:cNvPicPr>
+          <p:nvPr/>
+        </p:nvPicPr>
+        <p:blipFill>
+          <a:blip r:embed="rId3">
+            <a:extLst>
+              <a:ext uri="{28A0092B-C50C-407E-A947-70E740481C1C}">
+                <a14:useLocalDpi xmlns:a14="http://schemas.microsoft.com/office/drawing/2010/main" val="0"/>
+              </a:ext>
+            </a:extLst>
+          </a:blip>
+          <a:srcRect/>
+          <a:stretch>
+            <a:fillRect/>
+          </a:stretch>
+        </p:blipFill>
+        <p:spPr bwMode="auto">
+          <a:xfrm>
+            <a:off x="609600" y="1828800"/>
+            <a:ext cx="7924800" cy="4142029"/>
+          </a:xfrm>
+          <a:prstGeom prst="rect">
+            <a:avLst/>
+          </a:prstGeom>
+          <a:noFill/>
+          <a:extLst>
+            <a:ext uri="{909E8E84-426E-40DD-AFC4-6F175D3DCCD1}">
+              <a14:hiddenFill xmlns:a14="http://schemas.microsoft.com/office/drawing/2010/main">
+                <a:solidFill>
+                  <a:srgbClr val="FFFFFF"/>
+                </a:solidFill>
+              </a14:hiddenFill>
+            </a:ext>
+          </a:extLst>
+        </p:spPr>
+      </p:pic>
     </p:spTree>
     <p:extLst>
       <p:ext uri="{BB962C8B-B14F-4D97-AF65-F5344CB8AC3E}">
-        <p14:creationId xmlns:p14="http://schemas.microsoft.com/office/powerpoint/2010/main" val="2400421443"/>
+        <p14:creationId xmlns:p14="http://schemas.microsoft.com/office/powerpoint/2010/main" val="1560509811"/>
+      </p:ext>
+    </p:extLst>
+  </p:cSld>
+  <p:clrMapOvr>
+    <a:masterClrMapping/>
+  </p:clrMapOvr>
+</p:sld>
+</file>
+
+<file path=ppt/slides/slide19.xml><?xml version="1.0" encoding="utf-8"?>
+<p:sld xmlns:a="http://schemas.openxmlformats.org/drawingml/2006/main" xmlns:r="http://schemas.openxmlformats.org/officeDocument/2006/relationships" xmlns:p="http://schemas.openxmlformats.org/presentationml/2006/main">
+  <p:cSld>
+    <p:spTree>
+      <p:nvGrpSpPr>
+        <p:cNvPr id="1" name=""/>
+        <p:cNvGrpSpPr/>
+        <p:nvPr/>
+      </p:nvGrpSpPr>
+      <p:grpSpPr>
+        <a:xfrm>
+          <a:off x="0" y="0"/>
+          <a:ext cx="0" cy="0"/>
+          <a:chOff x="0" y="0"/>
+          <a:chExt cx="0" cy="0"/>
+        </a:xfrm>
+      </p:grpSpPr>
+      <p:pic>
+        <p:nvPicPr>
+          <p:cNvPr id="6146" name="Picture 2" descr="http://2.bp.blogspot.com/_YI1XYltaV7U/TSKixfJX2KI/AAAAAAAAAio/nSCpYDD1pxM/s1600/Surface.png"/>
+          <p:cNvPicPr>
+            <a:picLocks noChangeAspect="1" noChangeArrowheads="1"/>
+          </p:cNvPicPr>
+          <p:nvPr/>
+        </p:nvPicPr>
+        <p:blipFill>
+          <a:blip r:embed="rId3">
+            <a:extLst>
+              <a:ext uri="{28A0092B-C50C-407E-A947-70E740481C1C}">
+                <a14:useLocalDpi xmlns:a14="http://schemas.microsoft.com/office/drawing/2010/main" val="0"/>
+              </a:ext>
+            </a:extLst>
+          </a:blip>
+          <a:srcRect/>
+          <a:stretch>
+            <a:fillRect/>
+          </a:stretch>
+        </p:blipFill>
+        <p:spPr bwMode="auto">
+          <a:xfrm>
+            <a:off x="1208314" y="694984"/>
+            <a:ext cx="6172200" cy="6163016"/>
+          </a:xfrm>
+          <a:prstGeom prst="rect">
+            <a:avLst/>
+          </a:prstGeom>
+          <a:noFill/>
+          <a:extLst>
+            <a:ext uri="{909E8E84-426E-40DD-AFC4-6F175D3DCCD1}">
+              <a14:hiddenFill xmlns:a14="http://schemas.microsoft.com/office/drawing/2010/main">
+                <a:solidFill>
+                  <a:srgbClr val="FFFFFF"/>
+                </a:solidFill>
+              </a14:hiddenFill>
+            </a:ext>
+          </a:extLst>
+        </p:spPr>
+      </p:pic>
+      <p:sp>
+        <p:nvSpPr>
+          <p:cNvPr id="2" name="Title 1"/>
+          <p:cNvSpPr>
+            <a:spLocks noGrp="1"/>
+          </p:cNvSpPr>
+          <p:nvPr>
+            <p:ph type="title"/>
+          </p:nvPr>
+        </p:nvSpPr>
+        <p:spPr/>
+        <p:txBody>
+          <a:bodyPr/>
+          <a:lstStyle/>
+          <a:p>
+            <a:r>
+              <a:rPr lang="en-US" dirty="0" smtClean="0"/>
+              <a:t>Problem with Greed</a:t>
+            </a:r>
+            <a:endParaRPr lang="en-US" dirty="0"/>
+          </a:p>
+        </p:txBody>
+      </p:sp>
+    </p:spTree>
+    <p:extLst>
+      <p:ext uri="{BB962C8B-B14F-4D97-AF65-F5344CB8AC3E}">
+        <p14:creationId xmlns:p14="http://schemas.microsoft.com/office/powerpoint/2010/main" val="1058049245"/>
       </p:ext>
     </p:extLst>
   </p:cSld>
@@ -5485,6 +8269,109 @@
     <p:extLst>
       <p:ext uri="{BB962C8B-B14F-4D97-AF65-F5344CB8AC3E}">
         <p14:creationId xmlns:p14="http://schemas.microsoft.com/office/powerpoint/2010/main" val="3772950423"/>
+      </p:ext>
+    </p:extLst>
+  </p:cSld>
+  <p:clrMapOvr>
+    <a:masterClrMapping/>
+  </p:clrMapOvr>
+  <p:timing>
+    <p:tnLst>
+      <p:par>
+        <p:cTn id="1" dur="indefinite" restart="never" nodeType="tmRoot"/>
+      </p:par>
+    </p:tnLst>
+  </p:timing>
+</p:sld>
+</file>
+
+<file path=ppt/slides/slide20.xml><?xml version="1.0" encoding="utf-8"?>
+<p:sld xmlns:a="http://schemas.openxmlformats.org/drawingml/2006/main" xmlns:r="http://schemas.openxmlformats.org/officeDocument/2006/relationships" xmlns:p="http://schemas.openxmlformats.org/presentationml/2006/main">
+  <p:cSld>
+    <p:spTree>
+      <p:nvGrpSpPr>
+        <p:cNvPr id="1" name=""/>
+        <p:cNvGrpSpPr/>
+        <p:nvPr/>
+      </p:nvGrpSpPr>
+      <p:grpSpPr>
+        <a:xfrm>
+          <a:off x="0" y="0"/>
+          <a:ext cx="0" cy="0"/>
+          <a:chOff x="0" y="0"/>
+          <a:chExt cx="0" cy="0"/>
+        </a:xfrm>
+      </p:grpSpPr>
+      <p:sp>
+        <p:nvSpPr>
+          <p:cNvPr id="2" name="Title 1"/>
+          <p:cNvSpPr>
+            <a:spLocks noGrp="1"/>
+          </p:cNvSpPr>
+          <p:nvPr>
+            <p:ph type="title"/>
+          </p:nvPr>
+        </p:nvSpPr>
+        <p:spPr/>
+        <p:txBody>
+          <a:bodyPr/>
+          <a:lstStyle/>
+          <a:p>
+            <a:r>
+              <a:rPr lang="en-US" dirty="0" smtClean="0"/>
+              <a:t>Future Work</a:t>
+            </a:r>
+            <a:endParaRPr lang="en-US" dirty="0"/>
+          </a:p>
+        </p:txBody>
+      </p:sp>
+      <p:sp>
+        <p:nvSpPr>
+          <p:cNvPr id="3" name="Content Placeholder 2"/>
+          <p:cNvSpPr>
+            <a:spLocks noGrp="1"/>
+          </p:cNvSpPr>
+          <p:nvPr>
+            <p:ph idx="1"/>
+          </p:nvPr>
+        </p:nvSpPr>
+        <p:spPr/>
+        <p:txBody>
+          <a:bodyPr/>
+          <a:lstStyle/>
+          <a:p>
+            <a:r>
+              <a:rPr lang="en-US" dirty="0" smtClean="0"/>
+              <a:t>Complete More Algorithms</a:t>
+            </a:r>
+          </a:p>
+          <a:p>
+            <a:r>
+              <a:rPr lang="en-US" dirty="0" smtClean="0"/>
+              <a:t>Get Reliable Data </a:t>
+            </a:r>
+          </a:p>
+          <a:p>
+            <a:r>
+              <a:rPr lang="en-US" dirty="0" smtClean="0"/>
+              <a:t>Learn </a:t>
+            </a:r>
+            <a:r>
+              <a:rPr lang="en-US" dirty="0" smtClean="0"/>
+              <a:t>more </a:t>
+            </a:r>
+            <a:r>
+              <a:rPr lang="en-US" dirty="0" smtClean="0"/>
+              <a:t>Math and Statistics</a:t>
+            </a:r>
+            <a:endParaRPr lang="en-US" dirty="0"/>
+          </a:p>
+        </p:txBody>
+      </p:sp>
+    </p:spTree>
+    <p:extLst>
+      <p:ext uri="{BB962C8B-B14F-4D97-AF65-F5344CB8AC3E}">
+        <p14:creationId xmlns:p14="http://schemas.microsoft.com/office/powerpoint/2010/main" val="2400421443"/>
       </p:ext>
     </p:extLst>
   </p:cSld>
@@ -5585,6 +8472,13 @@
   <p:clrMapOvr>
     <a:masterClrMapping/>
   </p:clrMapOvr>
+  <p:timing>
+    <p:tnLst>
+      <p:par>
+        <p:cTn id="1" dur="indefinite" restart="never" nodeType="tmRoot"/>
+      </p:par>
+    </p:tnLst>
+  </p:timing>
 </p:sld>
 </file>
 
@@ -5694,6 +8588,13 @@
   <p:clrMapOvr>
     <a:masterClrMapping/>
   </p:clrMapOvr>
+  <p:timing>
+    <p:tnLst>
+      <p:par>
+        <p:cTn id="1" dur="indefinite" restart="never" nodeType="tmRoot"/>
+      </p:par>
+    </p:tnLst>
+  </p:timing>
 </p:sld>
 </file>
 
@@ -5788,6 +8689,13 @@
   <p:clrMapOvr>
     <a:masterClrMapping/>
   </p:clrMapOvr>
+  <p:timing>
+    <p:tnLst>
+      <p:par>
+        <p:cTn id="1" dur="indefinite" restart="never" nodeType="tmRoot"/>
+      </p:par>
+    </p:tnLst>
+  </p:timing>
 </p:sld>
 </file>
 
@@ -5965,6 +8873,13 @@
   <p:clrMapOvr>
     <a:masterClrMapping/>
   </p:clrMapOvr>
+  <p:timing>
+    <p:tnLst>
+      <p:par>
+        <p:cTn id="1" dur="indefinite" restart="never" nodeType="tmRoot"/>
+      </p:par>
+    </p:tnLst>
+  </p:timing>
 </p:sld>
 </file>
 
@@ -5985,6 +8900,70 @@
           <a:chExt cx="0" cy="0"/>
         </a:xfrm>
       </p:grpSpPr>
+      <p:pic>
+        <p:nvPicPr>
+          <p:cNvPr id="4099" name="Picture 3"/>
+          <p:cNvPicPr>
+            <a:picLocks noChangeAspect="1" noChangeArrowheads="1"/>
+          </p:cNvPicPr>
+          <p:nvPr/>
+        </p:nvPicPr>
+        <p:blipFill>
+          <a:blip r:embed="rId2">
+            <a:extLst>
+              <a:ext uri="{28A0092B-C50C-407E-A947-70E740481C1C}">
+                <a14:useLocalDpi xmlns:a14="http://schemas.microsoft.com/office/drawing/2010/main" val="0"/>
+              </a:ext>
+            </a:extLst>
+          </a:blip>
+          <a:srcRect/>
+          <a:stretch>
+            <a:fillRect/>
+          </a:stretch>
+        </p:blipFill>
+        <p:spPr bwMode="auto">
+          <a:xfrm>
+            <a:off x="2895600" y="1948078"/>
+            <a:ext cx="6019800" cy="4224122"/>
+          </a:xfrm>
+          <a:prstGeom prst="rect">
+            <a:avLst/>
+          </a:prstGeom>
+          <a:noFill/>
+          <a:ln>
+            <a:noFill/>
+          </a:ln>
+          <a:effectLst/>
+          <a:extLst>
+            <a:ext uri="{909E8E84-426E-40DD-AFC4-6F175D3DCCD1}">
+              <a14:hiddenFill xmlns:a14="http://schemas.microsoft.com/office/drawing/2010/main">
+                <a:solidFill>
+                  <a:schemeClr val="accent1"/>
+                </a:solidFill>
+              </a14:hiddenFill>
+            </a:ext>
+            <a:ext uri="{91240B29-F687-4F45-9708-019B960494DF}">
+              <a14:hiddenLine xmlns:a14="http://schemas.microsoft.com/office/drawing/2010/main" w="9525">
+                <a:solidFill>
+                  <a:schemeClr val="tx1"/>
+                </a:solidFill>
+                <a:miter lim="800000"/>
+                <a:headEnd/>
+                <a:tailEnd/>
+              </a14:hiddenLine>
+            </a:ext>
+            <a:ext uri="{AF507438-7753-43E0-B8FC-AC1667EBCBE1}">
+              <a14:hiddenEffects xmlns:a14="http://schemas.microsoft.com/office/drawing/2010/main">
+                <a:effectLst>
+                  <a:outerShdw dist="35921" dir="2700000" algn="ctr" rotWithShape="0">
+                    <a:schemeClr val="bg2"/>
+                  </a:outerShdw>
+                </a:effectLst>
+              </a14:hiddenEffects>
+            </a:ext>
+          </a:extLst>
+        </p:spPr>
+      </p:pic>
       <p:sp>
         <p:nvSpPr>
           <p:cNvPr id="2" name="Title 1"/>
@@ -6085,6 +9064,13 @@
   <p:clrMapOvr>
     <a:masterClrMapping/>
   </p:clrMapOvr>
+  <p:timing>
+    <p:tnLst>
+      <p:par>
+        <p:cTn id="1" dur="indefinite" restart="never" nodeType="tmRoot"/>
+      </p:par>
+    </p:tnLst>
+  </p:timing>
 </p:sld>
 </file>
 
@@ -6749,6 +9735,13 @@
   <p:clrMapOvr>
     <a:masterClrMapping/>
   </p:clrMapOvr>
+  <p:timing>
+    <p:tnLst>
+      <p:par>
+        <p:cTn id="1" dur="indefinite" restart="never" nodeType="tmRoot"/>
+      </p:par>
+    </p:tnLst>
+  </p:timing>
 </p:sld>
 </file>
 
@@ -6852,6 +9845,13 @@
   <p:clrMapOvr>
     <a:masterClrMapping/>
   </p:clrMapOvr>
+  <p:timing>
+    <p:tnLst>
+      <p:par>
+        <p:cTn id="1" dur="indefinite" restart="never" nodeType="tmRoot"/>
+      </p:par>
+    </p:tnLst>
+  </p:timing>
 </p:sld>
 </file>
 
